--- a/2d_game_report 2.pptx
+++ b/2d_game_report 2.pptx
@@ -925,7 +925,7 @@
           <a:bodyPr/>
           <a:lstStyle/>
           <a:p>
-            <a:endParaRPr lang="en-US" altLang="ko-KR"/>
+            <a:endParaRPr lang="en-US" altLang="ko-KR" dirty="0"/>
           </a:p>
         </p:txBody>
       </p:sp>
@@ -4540,13 +4540,17 @@
         </p:blipFill>
         <p:spPr>
           <a:xfrm>
-            <a:off x="-1512360" y="28080"/>
+            <a:off x="-1655688" y="0"/>
             <a:ext cx="13392000" cy="7532279"/>
           </a:xfrm>
           <a:prstGeom prst="rect">
             <a:avLst/>
           </a:prstGeom>
-          <a:noFill/>
+          <a:solidFill>
+            <a:schemeClr val="bg1">
+              <a:alpha val="75000"/>
+            </a:schemeClr>
+          </a:solidFill>
           <a:ln>
             <a:noFill/>
           </a:ln>
@@ -4564,9 +4568,14 @@
         </p:nvSpPr>
         <p:spPr>
           <a:xfrm>
-            <a:off x="498533" y="22899"/>
+            <a:off x="353036" y="123921"/>
             <a:ext cx="9071640" cy="603141"/>
           </a:xfrm>
+          <a:solidFill>
+            <a:schemeClr val="bg1">
+              <a:alpha val="75000"/>
+            </a:schemeClr>
+          </a:solidFill>
         </p:spPr>
         <p:txBody>
           <a:bodyPr/>
@@ -4580,1212 +4589,6 @@
           </a:p>
         </p:txBody>
       </p:sp>
-      <p:graphicFrame>
-        <p:nvGraphicFramePr>
-          <p:cNvPr id="4" name="표 개체 틀 3"/>
-          <p:cNvGraphicFramePr>
-            <a:graphicFrameLocks noGrp="1"/>
-          </p:cNvGraphicFramePr>
-          <p:nvPr>
-            <p:ph type="tbl" idx="4294967295"/>
-            <p:extLst>
-              <p:ext uri="{D42A27DB-BD31-4B8C-83A1-F6EECF244321}">
-                <p14:modId xmlns:p14="http://schemas.microsoft.com/office/powerpoint/2010/main" val="429186198"/>
-              </p:ext>
-            </p:extLst>
-          </p:nvPr>
-        </p:nvGraphicFramePr>
-        <p:xfrm>
-          <a:off x="-69574" y="648940"/>
-          <a:ext cx="10150198" cy="3581102"/>
-        </p:xfrm>
-        <a:graphic>
-          <a:graphicData uri="http://schemas.openxmlformats.org/drawingml/2006/table">
-            <a:tbl>
-              <a:tblPr firstRow="1" bandRow="1"/>
-              <a:tblGrid>
-                <a:gridCol w="1789044">
-                  <a:extLst>
-                    <a:ext uri="{9D8B030D-6E8A-4147-A177-3AD203B41FA5}">
-                      <a16:colId xmlns:a16="http://schemas.microsoft.com/office/drawing/2014/main" val="1560663617"/>
-                    </a:ext>
-                  </a:extLst>
-                </a:gridCol>
-                <a:gridCol w="3883662">
-                  <a:extLst>
-                    <a:ext uri="{9D8B030D-6E8A-4147-A177-3AD203B41FA5}">
-                      <a16:colId xmlns:a16="http://schemas.microsoft.com/office/drawing/2014/main" val="3365050295"/>
-                    </a:ext>
-                  </a:extLst>
-                </a:gridCol>
-                <a:gridCol w="4477492">
-                  <a:extLst>
-                    <a:ext uri="{9D8B030D-6E8A-4147-A177-3AD203B41FA5}">
-                      <a16:colId xmlns:a16="http://schemas.microsoft.com/office/drawing/2014/main" val="638139373"/>
-                    </a:ext>
-                  </a:extLst>
-                </a:gridCol>
-              </a:tblGrid>
-              <a:tr h="252378">
-                <a:tc>
-                  <a:txBody>
-                    <a:bodyPr/>
-                    <a:lstStyle/>
-                    <a:p>
-                      <a:pPr marL="0" marR="0" lvl="0" indent="0" rtl="0" hangingPunct="0">
-                        <a:lnSpc>
-                          <a:spcPct val="100000"/>
-                        </a:lnSpc>
-                        <a:spcBef>
-                          <a:spcPts val="0"/>
-                        </a:spcBef>
-                        <a:spcAft>
-                          <a:spcPts val="0"/>
-                        </a:spcAft>
-                        <a:buNone/>
-                        <a:tabLst/>
-                        <a:defRPr>
-                          <a:solidFill>
-                            <a:srgbClr val="FFFFFF"/>
-                          </a:solidFill>
-                        </a:defRPr>
-                      </a:pPr>
-                      <a:r>
-                        <a:rPr lang="ko-KR" sz="1600" b="0" i="0" u="none" strike="noStrike" kern="1200" dirty="0">
-                          <a:ln>
-                            <a:noFill/>
-                          </a:ln>
-                          <a:solidFill>
-                            <a:schemeClr val="tx1"/>
-                          </a:solidFill>
-                          <a:latin typeface="굴림" pitchFamily="18"/>
-                          <a:ea typeface="굴림" pitchFamily="2"/>
-                          <a:cs typeface="Arial" pitchFamily="2"/>
-                        </a:rPr>
-                        <a:t>내용</a:t>
-                      </a:r>
-                    </a:p>
-                  </a:txBody>
-                  <a:tcPr>
-                    <a:solidFill>
-                      <a:schemeClr val="bg1">
-                        <a:lumMod val="95000"/>
-                        <a:alpha val="75000"/>
-                      </a:schemeClr>
-                    </a:solidFill>
-                  </a:tcPr>
-                </a:tc>
-                <a:tc>
-                  <a:txBody>
-                    <a:bodyPr/>
-                    <a:lstStyle/>
-                    <a:p>
-                      <a:pPr marL="0" marR="0" lvl="0" indent="0" rtl="0" hangingPunct="0">
-                        <a:lnSpc>
-                          <a:spcPct val="100000"/>
-                        </a:lnSpc>
-                        <a:spcBef>
-                          <a:spcPts val="0"/>
-                        </a:spcBef>
-                        <a:spcAft>
-                          <a:spcPts val="0"/>
-                        </a:spcAft>
-                        <a:buNone/>
-                        <a:tabLst/>
-                        <a:defRPr>
-                          <a:solidFill>
-                            <a:srgbClr val="FFFFFF"/>
-                          </a:solidFill>
-                        </a:defRPr>
-                      </a:pPr>
-                      <a:r>
-                        <a:rPr lang="ko-KR" sz="1600" b="0" i="0" u="none" strike="noStrike" kern="1200" dirty="0">
-                          <a:ln>
-                            <a:noFill/>
-                          </a:ln>
-                          <a:solidFill>
-                            <a:schemeClr val="tx1"/>
-                          </a:solidFill>
-                          <a:latin typeface="굴림" pitchFamily="18"/>
-                          <a:ea typeface="굴림" pitchFamily="2"/>
-                          <a:cs typeface="Arial" pitchFamily="2"/>
-                        </a:rPr>
-                        <a:t>최소 개발 범위</a:t>
-                      </a:r>
-                    </a:p>
-                  </a:txBody>
-                  <a:tcPr>
-                    <a:solidFill>
-                      <a:schemeClr val="bg1">
-                        <a:lumMod val="95000"/>
-                        <a:alpha val="75000"/>
-                      </a:schemeClr>
-                    </a:solidFill>
-                  </a:tcPr>
-                </a:tc>
-                <a:tc>
-                  <a:txBody>
-                    <a:bodyPr/>
-                    <a:lstStyle/>
-                    <a:p>
-                      <a:pPr marL="0" marR="0" lvl="0" indent="0" rtl="0" hangingPunct="0">
-                        <a:lnSpc>
-                          <a:spcPct val="100000"/>
-                        </a:lnSpc>
-                        <a:spcBef>
-                          <a:spcPts val="0"/>
-                        </a:spcBef>
-                        <a:spcAft>
-                          <a:spcPts val="0"/>
-                        </a:spcAft>
-                        <a:buNone/>
-                        <a:tabLst/>
-                        <a:defRPr>
-                          <a:solidFill>
-                            <a:srgbClr val="FFFFFF"/>
-                          </a:solidFill>
-                        </a:defRPr>
-                      </a:pPr>
-                      <a:r>
-                        <a:rPr lang="ko-KR" sz="1600" b="0" i="0" u="none" strike="noStrike" kern="1200" dirty="0">
-                          <a:ln>
-                            <a:noFill/>
-                          </a:ln>
-                          <a:solidFill>
-                            <a:schemeClr val="tx1"/>
-                          </a:solidFill>
-                          <a:latin typeface="굴림" pitchFamily="18"/>
-                          <a:ea typeface="굴림" pitchFamily="2"/>
-                          <a:cs typeface="Arial" pitchFamily="2"/>
-                        </a:rPr>
-                        <a:t>최대 개발 범위</a:t>
-                      </a:r>
-                    </a:p>
-                  </a:txBody>
-                  <a:tcPr>
-                    <a:solidFill>
-                      <a:schemeClr val="bg1">
-                        <a:lumMod val="95000"/>
-                        <a:alpha val="75000"/>
-                      </a:schemeClr>
-                    </a:solidFill>
-                  </a:tcPr>
-                </a:tc>
-                <a:extLst>
-                  <a:ext uri="{0D108BD9-81ED-4DB2-BD59-A6C34878D82A}">
-                    <a16:rowId xmlns:a16="http://schemas.microsoft.com/office/drawing/2014/main" val="2643532662"/>
-                  </a:ext>
-                </a:extLst>
-              </a:tr>
-              <a:tr h="252378">
-                <a:tc>
-                  <a:txBody>
-                    <a:bodyPr/>
-                    <a:lstStyle/>
-                    <a:p>
-                      <a:pPr marL="0" marR="0" lvl="0" indent="0" rtl="0" hangingPunct="0">
-                        <a:lnSpc>
-                          <a:spcPct val="100000"/>
-                        </a:lnSpc>
-                        <a:spcBef>
-                          <a:spcPts val="0"/>
-                        </a:spcBef>
-                        <a:spcAft>
-                          <a:spcPts val="0"/>
-                        </a:spcAft>
-                        <a:buNone/>
-                        <a:tabLst/>
-                      </a:pPr>
-                      <a:r>
-                        <a:rPr lang="ko-KR" sz="1600" b="0" i="0" u="none" strike="noStrike" kern="1200" dirty="0">
-                          <a:ln>
-                            <a:noFill/>
-                          </a:ln>
-                          <a:latin typeface="굴림" pitchFamily="18"/>
-                          <a:ea typeface="굴림" pitchFamily="2"/>
-                          <a:cs typeface="Arial" pitchFamily="2"/>
-                        </a:rPr>
-                        <a:t>던전 리스트</a:t>
-                      </a:r>
-                    </a:p>
-                  </a:txBody>
-                  <a:tcPr>
-                    <a:solidFill>
-                      <a:schemeClr val="bg1">
-                        <a:lumMod val="95000"/>
-                        <a:alpha val="75000"/>
-                      </a:schemeClr>
-                    </a:solidFill>
-                  </a:tcPr>
-                </a:tc>
-                <a:tc>
-                  <a:txBody>
-                    <a:bodyPr/>
-                    <a:lstStyle/>
-                    <a:p>
-                      <a:pPr marL="0" marR="0" lvl="0" indent="0" rtl="0" hangingPunct="0">
-                        <a:lnSpc>
-                          <a:spcPct val="100000"/>
-                        </a:lnSpc>
-                        <a:spcBef>
-                          <a:spcPts val="0"/>
-                        </a:spcBef>
-                        <a:spcAft>
-                          <a:spcPts val="0"/>
-                        </a:spcAft>
-                        <a:buNone/>
-                        <a:tabLst/>
-                      </a:pPr>
-                      <a:r>
-                        <a:rPr lang="ko-KR" sz="1600" b="0" i="0" u="none" strike="noStrike" kern="1200">
-                          <a:ln>
-                            <a:noFill/>
-                          </a:ln>
-                          <a:latin typeface="굴림" pitchFamily="18"/>
-                          <a:ea typeface="굴림" pitchFamily="2"/>
-                          <a:cs typeface="Arial" pitchFamily="2"/>
-                        </a:rPr>
-                        <a:t>저레벨 던전 1개. 선택 기능 없음</a:t>
-                      </a:r>
-                    </a:p>
-                  </a:txBody>
-                  <a:tcPr>
-                    <a:solidFill>
-                      <a:schemeClr val="bg1">
-                        <a:lumMod val="95000"/>
-                        <a:alpha val="75000"/>
-                      </a:schemeClr>
-                    </a:solidFill>
-                  </a:tcPr>
-                </a:tc>
-                <a:tc>
-                  <a:txBody>
-                    <a:bodyPr/>
-                    <a:lstStyle/>
-                    <a:p>
-                      <a:pPr marL="0" marR="0" lvl="0" indent="0" rtl="0" hangingPunct="0">
-                        <a:lnSpc>
-                          <a:spcPct val="100000"/>
-                        </a:lnSpc>
-                        <a:spcBef>
-                          <a:spcPts val="0"/>
-                        </a:spcBef>
-                        <a:spcAft>
-                          <a:spcPts val="0"/>
-                        </a:spcAft>
-                        <a:buNone/>
-                        <a:tabLst/>
-                      </a:pPr>
-                      <a:r>
-                        <a:rPr lang="ko-KR" sz="1600" b="0" i="0" u="none" strike="noStrike" kern="1200">
-                          <a:ln>
-                            <a:noFill/>
-                          </a:ln>
-                          <a:latin typeface="굴림" pitchFamily="18"/>
-                          <a:ea typeface="굴림" pitchFamily="2"/>
-                          <a:cs typeface="Arial" pitchFamily="2"/>
-                        </a:rPr>
-                        <a:t>던전 2개 이상. 선택</a:t>
-                      </a:r>
-                    </a:p>
-                  </a:txBody>
-                  <a:tcPr>
-                    <a:solidFill>
-                      <a:schemeClr val="bg1">
-                        <a:lumMod val="95000"/>
-                        <a:alpha val="75000"/>
-                      </a:schemeClr>
-                    </a:solidFill>
-                  </a:tcPr>
-                </a:tc>
-                <a:extLst>
-                  <a:ext uri="{0D108BD9-81ED-4DB2-BD59-A6C34878D82A}">
-                    <a16:rowId xmlns:a16="http://schemas.microsoft.com/office/drawing/2014/main" val="1815363719"/>
-                  </a:ext>
-                </a:extLst>
-              </a:tr>
-              <a:tr h="441662">
-                <a:tc>
-                  <a:txBody>
-                    <a:bodyPr/>
-                    <a:lstStyle/>
-                    <a:p>
-                      <a:pPr marL="0" marR="0" lvl="0" indent="0" rtl="0" hangingPunct="0">
-                        <a:lnSpc>
-                          <a:spcPct val="100000"/>
-                        </a:lnSpc>
-                        <a:spcBef>
-                          <a:spcPts val="0"/>
-                        </a:spcBef>
-                        <a:spcAft>
-                          <a:spcPts val="0"/>
-                        </a:spcAft>
-                        <a:buNone/>
-                        <a:tabLst/>
-                      </a:pPr>
-                      <a:r>
-                        <a:rPr lang="ko-KR" sz="1600" b="0" i="0" u="none" strike="noStrike" kern="1200" dirty="0" err="1">
-                          <a:ln>
-                            <a:noFill/>
-                          </a:ln>
-                          <a:latin typeface="굴림" pitchFamily="18"/>
-                          <a:ea typeface="굴림" pitchFamily="2"/>
-                          <a:cs typeface="Arial" pitchFamily="2"/>
-                        </a:rPr>
-                        <a:t>파티원</a:t>
-                      </a:r>
-                      <a:r>
-                        <a:rPr lang="ko-KR" sz="1600" b="0" i="0" u="none" strike="noStrike" kern="1200" dirty="0">
-                          <a:ln>
-                            <a:noFill/>
-                          </a:ln>
-                          <a:latin typeface="굴림" pitchFamily="18"/>
-                          <a:ea typeface="굴림" pitchFamily="2"/>
-                          <a:cs typeface="Arial" pitchFamily="2"/>
-                        </a:rPr>
-                        <a:t> 선택</a:t>
-                      </a:r>
-                    </a:p>
-                  </a:txBody>
-                  <a:tcPr>
-                    <a:solidFill>
-                      <a:schemeClr val="bg1">
-                        <a:lumMod val="95000"/>
-                        <a:alpha val="75000"/>
-                      </a:schemeClr>
-                    </a:solidFill>
-                  </a:tcPr>
-                </a:tc>
-                <a:tc>
-                  <a:txBody>
-                    <a:bodyPr/>
-                    <a:lstStyle/>
-                    <a:p>
-                      <a:pPr marL="0" marR="0" lvl="0" indent="0" rtl="0" hangingPunct="0">
-                        <a:lnSpc>
-                          <a:spcPct val="100000"/>
-                        </a:lnSpc>
-                        <a:spcBef>
-                          <a:spcPts val="0"/>
-                        </a:spcBef>
-                        <a:spcAft>
-                          <a:spcPts val="0"/>
-                        </a:spcAft>
-                        <a:buNone/>
-                        <a:tabLst/>
-                      </a:pPr>
-                      <a:r>
-                        <a:rPr lang="ko-KR" sz="1600" b="0" i="0" u="none" strike="noStrike" kern="1200">
-                          <a:ln>
-                            <a:noFill/>
-                          </a:ln>
-                          <a:latin typeface="굴림" pitchFamily="18"/>
-                          <a:ea typeface="굴림" pitchFamily="2"/>
-                          <a:cs typeface="Arial" pitchFamily="2"/>
-                        </a:rPr>
-                        <a:t>탱커 1가지,딜러 2가지,힐러 1가지</a:t>
-                      </a:r>
-                    </a:p>
-                  </a:txBody>
-                  <a:tcPr>
-                    <a:solidFill>
-                      <a:schemeClr val="bg1">
-                        <a:lumMod val="95000"/>
-                        <a:alpha val="75000"/>
-                      </a:schemeClr>
-                    </a:solidFill>
-                  </a:tcPr>
-                </a:tc>
-                <a:tc>
-                  <a:txBody>
-                    <a:bodyPr/>
-                    <a:lstStyle/>
-                    <a:p>
-                      <a:pPr marL="0" marR="0" lvl="0" indent="0" rtl="0" hangingPunct="0">
-                        <a:lnSpc>
-                          <a:spcPct val="100000"/>
-                        </a:lnSpc>
-                        <a:spcBef>
-                          <a:spcPts val="0"/>
-                        </a:spcBef>
-                        <a:spcAft>
-                          <a:spcPts val="0"/>
-                        </a:spcAft>
-                        <a:buNone/>
-                        <a:tabLst/>
-                      </a:pPr>
-                      <a:r>
-                        <a:rPr lang="ko-KR" sz="1600" b="0" i="0" u="none" strike="noStrike" kern="1200">
-                          <a:ln>
-                            <a:noFill/>
-                          </a:ln>
-                          <a:latin typeface="굴림" pitchFamily="18"/>
-                          <a:ea typeface="굴림" pitchFamily="2"/>
-                          <a:cs typeface="Arial" pitchFamily="2"/>
-                        </a:rPr>
-                        <a:t>탱커 2가지. 힐러 2가지</a:t>
-                      </a:r>
-                    </a:p>
-                  </a:txBody>
-                  <a:tcPr>
-                    <a:solidFill>
-                      <a:schemeClr val="bg1">
-                        <a:lumMod val="95000"/>
-                        <a:alpha val="75000"/>
-                      </a:schemeClr>
-                    </a:solidFill>
-                  </a:tcPr>
-                </a:tc>
-                <a:extLst>
-                  <a:ext uri="{0D108BD9-81ED-4DB2-BD59-A6C34878D82A}">
-                    <a16:rowId xmlns:a16="http://schemas.microsoft.com/office/drawing/2014/main" val="3160018562"/>
-                  </a:ext>
-                </a:extLst>
-              </a:tr>
-              <a:tr h="252378">
-                <a:tc>
-                  <a:txBody>
-                    <a:bodyPr/>
-                    <a:lstStyle/>
-                    <a:p>
-                      <a:pPr marL="0" marR="0" lvl="0" indent="0" rtl="0" hangingPunct="0">
-                        <a:lnSpc>
-                          <a:spcPct val="100000"/>
-                        </a:lnSpc>
-                        <a:spcBef>
-                          <a:spcPts val="0"/>
-                        </a:spcBef>
-                        <a:spcAft>
-                          <a:spcPts val="0"/>
-                        </a:spcAft>
-                        <a:buNone/>
-                        <a:tabLst/>
-                      </a:pPr>
-                      <a:r>
-                        <a:rPr lang="ko-KR" sz="1600" b="0" i="0" u="none" strike="noStrike" kern="1200" dirty="0">
-                          <a:ln>
-                            <a:noFill/>
-                          </a:ln>
-                          <a:latin typeface="굴림" pitchFamily="18"/>
-                          <a:ea typeface="굴림" pitchFamily="2"/>
-                          <a:cs typeface="Arial" pitchFamily="2"/>
-                        </a:rPr>
-                        <a:t>선택 가능 </a:t>
-                      </a:r>
-                      <a:r>
-                        <a:rPr lang="ko-KR" sz="1600" b="0" i="0" u="none" strike="noStrike" kern="1200" dirty="0" err="1">
-                          <a:ln>
-                            <a:noFill/>
-                          </a:ln>
-                          <a:latin typeface="굴림" pitchFamily="18"/>
-                          <a:ea typeface="굴림" pitchFamily="2"/>
-                          <a:cs typeface="Arial" pitchFamily="2"/>
-                        </a:rPr>
-                        <a:t>직업군</a:t>
-                      </a:r>
-                      <a:endParaRPr lang="ko-KR" sz="1600" b="0" i="0" u="none" strike="noStrike" kern="1200" dirty="0">
-                        <a:ln>
-                          <a:noFill/>
-                        </a:ln>
-                        <a:latin typeface="굴림" pitchFamily="18"/>
-                        <a:ea typeface="굴림" pitchFamily="2"/>
-                        <a:cs typeface="Arial" pitchFamily="2"/>
-                      </a:endParaRPr>
-                    </a:p>
-                  </a:txBody>
-                  <a:tcPr>
-                    <a:solidFill>
-                      <a:schemeClr val="bg1">
-                        <a:lumMod val="95000"/>
-                        <a:alpha val="75000"/>
-                      </a:schemeClr>
-                    </a:solidFill>
-                  </a:tcPr>
-                </a:tc>
-                <a:tc>
-                  <a:txBody>
-                    <a:bodyPr/>
-                    <a:lstStyle/>
-                    <a:p>
-                      <a:pPr marL="0" marR="0" lvl="0" indent="0" rtl="0" hangingPunct="0">
-                        <a:lnSpc>
-                          <a:spcPct val="100000"/>
-                        </a:lnSpc>
-                        <a:spcBef>
-                          <a:spcPts val="0"/>
-                        </a:spcBef>
-                        <a:spcAft>
-                          <a:spcPts val="0"/>
-                        </a:spcAft>
-                        <a:buNone/>
-                        <a:tabLst/>
-                      </a:pPr>
-                      <a:r>
-                        <a:rPr lang="ko-KR" sz="1600" b="0" i="0" u="none" strike="noStrike" kern="1200">
-                          <a:ln>
-                            <a:noFill/>
-                          </a:ln>
-                          <a:latin typeface="굴림" pitchFamily="18"/>
-                          <a:ea typeface="굴림" pitchFamily="2"/>
-                          <a:cs typeface="Arial" pitchFamily="2"/>
-                        </a:rPr>
-                        <a:t>탱커만</a:t>
-                      </a:r>
-                    </a:p>
-                  </a:txBody>
-                  <a:tcPr>
-                    <a:solidFill>
-                      <a:schemeClr val="bg1">
-                        <a:lumMod val="95000"/>
-                        <a:alpha val="75000"/>
-                      </a:schemeClr>
-                    </a:solidFill>
-                  </a:tcPr>
-                </a:tc>
-                <a:tc>
-                  <a:txBody>
-                    <a:bodyPr/>
-                    <a:lstStyle/>
-                    <a:p>
-                      <a:pPr marL="0" marR="0" lvl="0" indent="0" rtl="0" hangingPunct="0">
-                        <a:lnSpc>
-                          <a:spcPct val="100000"/>
-                        </a:lnSpc>
-                        <a:spcBef>
-                          <a:spcPts val="0"/>
-                        </a:spcBef>
-                        <a:spcAft>
-                          <a:spcPts val="0"/>
-                        </a:spcAft>
-                        <a:buNone/>
-                        <a:tabLst/>
-                      </a:pPr>
-                      <a:r>
-                        <a:rPr lang="ko-KR" sz="1600" b="0" i="0" u="none" strike="noStrike" kern="1200">
-                          <a:ln>
-                            <a:noFill/>
-                          </a:ln>
-                          <a:latin typeface="굴림" pitchFamily="18"/>
-                          <a:ea typeface="굴림" pitchFamily="2"/>
-                          <a:cs typeface="Arial" pitchFamily="2"/>
-                        </a:rPr>
-                        <a:t>탱커와 힐러</a:t>
-                      </a:r>
-                    </a:p>
-                  </a:txBody>
-                  <a:tcPr>
-                    <a:solidFill>
-                      <a:schemeClr val="bg1">
-                        <a:lumMod val="95000"/>
-                        <a:alpha val="75000"/>
-                      </a:schemeClr>
-                    </a:solidFill>
-                  </a:tcPr>
-                </a:tc>
-                <a:extLst>
-                  <a:ext uri="{0D108BD9-81ED-4DB2-BD59-A6C34878D82A}">
-                    <a16:rowId xmlns:a16="http://schemas.microsoft.com/office/drawing/2014/main" val="1957213624"/>
-                  </a:ext>
-                </a:extLst>
-              </a:tr>
-              <a:tr h="1198796">
-                <a:tc>
-                  <a:txBody>
-                    <a:bodyPr/>
-                    <a:lstStyle/>
-                    <a:p>
-                      <a:pPr marL="0" marR="0" lvl="0" indent="0" rtl="0" hangingPunct="0">
-                        <a:lnSpc>
-                          <a:spcPct val="100000"/>
-                        </a:lnSpc>
-                        <a:spcBef>
-                          <a:spcPts val="0"/>
-                        </a:spcBef>
-                        <a:spcAft>
-                          <a:spcPts val="0"/>
-                        </a:spcAft>
-                        <a:buNone/>
-                        <a:tabLst/>
-                      </a:pPr>
-                      <a:r>
-                        <a:rPr lang="ko-KR" sz="1600" b="0" i="0" u="none" strike="noStrike" kern="1200" dirty="0">
-                          <a:ln>
-                            <a:noFill/>
-                          </a:ln>
-                          <a:latin typeface="굴림" pitchFamily="18"/>
-                          <a:ea typeface="굴림" pitchFamily="2"/>
-                          <a:cs typeface="Arial" pitchFamily="2"/>
-                        </a:rPr>
-                        <a:t>플레이 방식</a:t>
-                      </a:r>
-                    </a:p>
-                  </a:txBody>
-                  <a:tcPr>
-                    <a:solidFill>
-                      <a:schemeClr val="bg1">
-                        <a:lumMod val="95000"/>
-                        <a:alpha val="75000"/>
-                      </a:schemeClr>
-                    </a:solidFill>
-                  </a:tcPr>
-                </a:tc>
-                <a:tc>
-                  <a:txBody>
-                    <a:bodyPr/>
-                    <a:lstStyle/>
-                    <a:p>
-                      <a:pPr marL="0" marR="0" lvl="0" indent="0" rtl="0" hangingPunct="0">
-                        <a:lnSpc>
-                          <a:spcPct val="100000"/>
-                        </a:lnSpc>
-                        <a:spcBef>
-                          <a:spcPts val="0"/>
-                        </a:spcBef>
-                        <a:spcAft>
-                          <a:spcPts val="0"/>
-                        </a:spcAft>
-                        <a:buNone/>
-                        <a:tabLst/>
-                      </a:pPr>
-                      <a:r>
-                        <a:rPr lang="ko-KR" sz="1600" b="0" i="0" u="none" strike="noStrike" kern="1200" dirty="0" err="1">
-                          <a:ln>
-                            <a:noFill/>
-                          </a:ln>
-                          <a:latin typeface="굴림" pitchFamily="18"/>
-                          <a:ea typeface="굴림" pitchFamily="2"/>
-                          <a:cs typeface="Arial" pitchFamily="2"/>
-                        </a:rPr>
-                        <a:t>턴제</a:t>
-                      </a:r>
-                      <a:r>
-                        <a:rPr lang="ko-KR" sz="1600" b="0" i="0" u="none" strike="noStrike" kern="1200" dirty="0">
-                          <a:ln>
-                            <a:noFill/>
-                          </a:ln>
-                          <a:latin typeface="굴림" pitchFamily="18"/>
-                          <a:ea typeface="굴림" pitchFamily="2"/>
-                          <a:cs typeface="Arial" pitchFamily="2"/>
-                        </a:rPr>
-                        <a:t>. 비 글로벌 스킬 2개 및 </a:t>
-                      </a:r>
-                      <a:r>
-                        <a:rPr lang="ko-KR" sz="1600" b="0" i="0" u="none" strike="noStrike" kern="1200" dirty="0" err="1">
-                          <a:ln>
-                            <a:noFill/>
-                          </a:ln>
-                          <a:latin typeface="굴림" pitchFamily="18"/>
-                          <a:ea typeface="굴림" pitchFamily="2"/>
-                          <a:cs typeface="Arial" pitchFamily="2"/>
-                        </a:rPr>
-                        <a:t>클로벌</a:t>
-                      </a:r>
-                      <a:r>
-                        <a:rPr lang="ko-KR" sz="1600" b="0" i="0" u="none" strike="noStrike" kern="1200" dirty="0">
-                          <a:ln>
-                            <a:noFill/>
-                          </a:ln>
-                          <a:latin typeface="굴림" pitchFamily="18"/>
-                          <a:ea typeface="굴림" pitchFamily="2"/>
-                          <a:cs typeface="Arial" pitchFamily="2"/>
-                        </a:rPr>
-                        <a:t> 스킬 1개 선택 가능. 글로벌 스킬은 무조건 마지막 실행. 모든 행동을 선택 후 모든 아군과 적군이 동시에 행동. 적개심 판정은 글로벌 스킬이 끝나고 </a:t>
-                      </a:r>
-                      <a:r>
-                        <a:rPr lang="ko-KR" sz="1600" b="0" i="0" u="none" strike="noStrike" kern="1200" dirty="0" err="1">
-                          <a:ln>
-                            <a:noFill/>
-                          </a:ln>
-                          <a:latin typeface="굴림" pitchFamily="18"/>
-                          <a:ea typeface="굴림" pitchFamily="2"/>
-                          <a:cs typeface="Arial" pitchFamily="2"/>
-                        </a:rPr>
-                        <a:t>나서한다</a:t>
-                      </a:r>
-                      <a:r>
-                        <a:rPr lang="ko-KR" sz="1600" b="0" i="0" u="none" strike="noStrike" kern="1200" dirty="0">
-                          <a:ln>
-                            <a:noFill/>
-                          </a:ln>
-                          <a:latin typeface="굴림" pitchFamily="18"/>
-                          <a:ea typeface="굴림" pitchFamily="2"/>
-                          <a:cs typeface="Arial" pitchFamily="2"/>
-                        </a:rPr>
-                        <a:t>.</a:t>
-                      </a:r>
-                    </a:p>
-                  </a:txBody>
-                  <a:tcPr>
-                    <a:solidFill>
-                      <a:schemeClr val="bg1">
-                        <a:lumMod val="95000"/>
-                        <a:alpha val="75000"/>
-                      </a:schemeClr>
-                    </a:solidFill>
-                  </a:tcPr>
-                </a:tc>
-                <a:tc>
-                  <a:txBody>
-                    <a:bodyPr/>
-                    <a:lstStyle/>
-                    <a:p>
-                      <a:pPr marL="0" marR="0" lvl="0" indent="0" rtl="0" hangingPunct="0">
-                        <a:lnSpc>
-                          <a:spcPct val="100000"/>
-                        </a:lnSpc>
-                        <a:spcBef>
-                          <a:spcPts val="0"/>
-                        </a:spcBef>
-                        <a:spcAft>
-                          <a:spcPts val="0"/>
-                        </a:spcAft>
-                        <a:buNone/>
-                        <a:tabLst/>
-                      </a:pPr>
-                      <a:r>
-                        <a:rPr lang="ko-KR" sz="1600" b="0" i="0" u="none" strike="noStrike" kern="1200" dirty="0">
-                          <a:ln>
-                            <a:noFill/>
-                          </a:ln>
-                          <a:latin typeface="굴림" pitchFamily="18"/>
-                          <a:ea typeface="굴림" pitchFamily="2"/>
-                          <a:cs typeface="Arial" pitchFamily="2"/>
-                        </a:rPr>
-                        <a:t>일시정지 가능한 실시간. 글로벌 스킬은 2.5초로 고정되고 비 글로벌 스킬 사용 딜레이는 1초로 고정. 필요한 경우 특정키(예 : 스페이스바)</a:t>
-                      </a:r>
-                      <a:r>
-                        <a:rPr lang="ko-KR" sz="1600" b="0" i="0" u="none" strike="noStrike" kern="1200" dirty="0" err="1">
-                          <a:ln>
-                            <a:noFill/>
-                          </a:ln>
-                          <a:latin typeface="굴림" pitchFamily="18"/>
-                          <a:ea typeface="굴림" pitchFamily="2"/>
-                          <a:cs typeface="Arial" pitchFamily="2"/>
-                        </a:rPr>
-                        <a:t>를</a:t>
-                      </a:r>
-                      <a:r>
-                        <a:rPr lang="ko-KR" sz="1600" b="0" i="0" u="none" strike="noStrike" kern="1200" dirty="0">
-                          <a:ln>
-                            <a:noFill/>
-                          </a:ln>
-                          <a:latin typeface="굴림" pitchFamily="18"/>
-                          <a:ea typeface="굴림" pitchFamily="2"/>
-                          <a:cs typeface="Arial" pitchFamily="2"/>
-                        </a:rPr>
-                        <a:t> 눌러 일시정지하고 행동을 선택 할 수 있다.</a:t>
-                      </a:r>
-                    </a:p>
-                  </a:txBody>
-                  <a:tcPr>
-                    <a:solidFill>
-                      <a:schemeClr val="bg1">
-                        <a:lumMod val="95000"/>
-                        <a:alpha val="75000"/>
-                      </a:schemeClr>
-                    </a:solidFill>
-                  </a:tcPr>
-                </a:tc>
-                <a:extLst>
-                  <a:ext uri="{0D108BD9-81ED-4DB2-BD59-A6C34878D82A}">
-                    <a16:rowId xmlns:a16="http://schemas.microsoft.com/office/drawing/2014/main" val="580545565"/>
-                  </a:ext>
-                </a:extLst>
-              </a:tr>
-              <a:tr h="630945">
-                <a:tc>
-                  <a:txBody>
-                    <a:bodyPr/>
-                    <a:lstStyle/>
-                    <a:p>
-                      <a:pPr marL="0" marR="0" lvl="0" indent="0" rtl="0" hangingPunct="0">
-                        <a:lnSpc>
-                          <a:spcPct val="100000"/>
-                        </a:lnSpc>
-                        <a:spcBef>
-                          <a:spcPts val="0"/>
-                        </a:spcBef>
-                        <a:spcAft>
-                          <a:spcPts val="0"/>
-                        </a:spcAft>
-                        <a:buNone/>
-                        <a:tabLst/>
-                      </a:pPr>
-                      <a:r>
-                        <a:rPr lang="ko-KR" sz="1600" b="0" i="0" u="none" strike="noStrike" kern="1200">
-                          <a:ln>
-                            <a:noFill/>
-                          </a:ln>
-                          <a:latin typeface="굴림" pitchFamily="18"/>
-                          <a:ea typeface="굴림" pitchFamily="2"/>
-                          <a:cs typeface="Arial" pitchFamily="2"/>
-                        </a:rPr>
-                        <a:t>적 AI</a:t>
-                      </a:r>
-                    </a:p>
-                  </a:txBody>
-                  <a:tcPr>
-                    <a:solidFill>
-                      <a:schemeClr val="bg1">
-                        <a:lumMod val="95000"/>
-                        <a:alpha val="75000"/>
-                      </a:schemeClr>
-                    </a:solidFill>
-                  </a:tcPr>
-                </a:tc>
-                <a:tc>
-                  <a:txBody>
-                    <a:bodyPr/>
-                    <a:lstStyle/>
-                    <a:p>
-                      <a:pPr marL="342900" marR="0" lvl="0" indent="-342900" rtl="0" hangingPunct="0">
-                        <a:lnSpc>
-                          <a:spcPct val="100000"/>
-                        </a:lnSpc>
-                        <a:spcBef>
-                          <a:spcPts val="0"/>
-                        </a:spcBef>
-                        <a:spcAft>
-                          <a:spcPts val="0"/>
-                        </a:spcAft>
-                        <a:buAutoNum type="arabicParenR"/>
-                        <a:tabLst/>
-                      </a:pPr>
-                      <a:r>
-                        <a:rPr lang="en-US" sz="1600" b="0" i="0" u="none" strike="noStrike" kern="1200" dirty="0" err="1">
-                          <a:ln>
-                            <a:noFill/>
-                          </a:ln>
-                          <a:latin typeface="굴림" pitchFamily="18"/>
-                          <a:ea typeface="굴림" pitchFamily="2"/>
-                          <a:cs typeface="Arial" pitchFamily="2"/>
-                        </a:rPr>
-                        <a:t>가만히</a:t>
-                      </a:r>
-                      <a:r>
-                        <a:rPr lang="en-US" sz="1600" b="0" i="0" u="none" strike="noStrike" kern="1200" dirty="0">
-                          <a:ln>
-                            <a:noFill/>
-                          </a:ln>
-                          <a:latin typeface="굴림" pitchFamily="18"/>
-                          <a:ea typeface="굴림" pitchFamily="2"/>
-                          <a:cs typeface="Arial" pitchFamily="2"/>
-                        </a:rPr>
-                        <a:t> </a:t>
-                      </a:r>
-                      <a:r>
-                        <a:rPr lang="ko-KR" altLang="en-US" sz="1600" b="0" i="0" u="none" strike="noStrike" kern="1200" dirty="0">
-                          <a:ln>
-                            <a:noFill/>
-                          </a:ln>
-                          <a:latin typeface="굴림" pitchFamily="18"/>
-                          <a:ea typeface="굴림" pitchFamily="2"/>
-                          <a:cs typeface="Arial" pitchFamily="2"/>
-                        </a:rPr>
-                        <a:t>있는다</a:t>
-                      </a:r>
-                      <a:endParaRPr lang="en-US" altLang="ko-KR" sz="1600" b="0" i="0" u="none" strike="noStrike" kern="1200" dirty="0">
-                        <a:ln>
-                          <a:noFill/>
-                        </a:ln>
-                        <a:latin typeface="굴림" pitchFamily="18"/>
-                        <a:ea typeface="굴림" pitchFamily="2"/>
-                        <a:cs typeface="Arial" pitchFamily="2"/>
-                      </a:endParaRPr>
-                    </a:p>
-                    <a:p>
-                      <a:pPr marL="342900" marR="0" lvl="0" indent="-342900" rtl="0" hangingPunct="0">
-                        <a:lnSpc>
-                          <a:spcPct val="100000"/>
-                        </a:lnSpc>
-                        <a:spcBef>
-                          <a:spcPts val="0"/>
-                        </a:spcBef>
-                        <a:spcAft>
-                          <a:spcPts val="0"/>
-                        </a:spcAft>
-                        <a:buAutoNum type="arabicParenR" startAt="2"/>
-                        <a:tabLst/>
-                      </a:pPr>
-                      <a:r>
-                        <a:rPr lang="ko-KR" altLang="en-US" sz="1600" b="0" i="0" u="none" strike="noStrike" kern="1200" dirty="0">
-                          <a:ln>
-                            <a:noFill/>
-                          </a:ln>
-                          <a:latin typeface="굴림" pitchFamily="18"/>
-                          <a:ea typeface="굴림" pitchFamily="2"/>
-                          <a:cs typeface="Arial" pitchFamily="2"/>
-                        </a:rPr>
-                        <a:t>순찰한다</a:t>
-                      </a:r>
-                      <a:endParaRPr lang="en-US" altLang="ko-KR" sz="1600" b="0" i="0" u="none" strike="noStrike" kern="1200" dirty="0">
-                        <a:ln>
-                          <a:noFill/>
-                        </a:ln>
-                        <a:latin typeface="굴림" pitchFamily="18"/>
-                        <a:ea typeface="굴림" pitchFamily="2"/>
-                        <a:cs typeface="Arial" pitchFamily="2"/>
-                      </a:endParaRPr>
-                    </a:p>
-                    <a:p>
-                      <a:pPr marL="0" marR="0" lvl="0" indent="0" rtl="0" hangingPunct="0">
-                        <a:lnSpc>
-                          <a:spcPct val="100000"/>
-                        </a:lnSpc>
-                        <a:spcBef>
-                          <a:spcPts val="0"/>
-                        </a:spcBef>
-                        <a:spcAft>
-                          <a:spcPts val="0"/>
-                        </a:spcAft>
-                        <a:buNone/>
-                        <a:tabLst/>
-                      </a:pPr>
-                      <a:r>
-                        <a:rPr lang="en-US" sz="1600" b="0" i="0" u="none" strike="noStrike" kern="1200" dirty="0">
-                          <a:ln>
-                            <a:noFill/>
-                          </a:ln>
-                          <a:latin typeface="굴림" pitchFamily="18"/>
-                          <a:ea typeface="굴림" pitchFamily="2"/>
-                          <a:cs typeface="Arial" pitchFamily="2"/>
-                        </a:rPr>
-                        <a:t>3) </a:t>
-                      </a:r>
-                      <a:r>
-                        <a:rPr lang="ko-KR" altLang="en-US" sz="1600" b="0" i="0" u="none" strike="noStrike" kern="1200" baseline="0" dirty="0">
-                          <a:ln>
-                            <a:noFill/>
-                          </a:ln>
-                          <a:latin typeface="굴림" pitchFamily="18"/>
-                          <a:ea typeface="굴림" pitchFamily="2"/>
-                          <a:cs typeface="Arial" pitchFamily="2"/>
-                        </a:rPr>
-                        <a:t> 패턴을 돌려쓴다</a:t>
-                      </a:r>
-                      <a:r>
-                        <a:rPr lang="en-US" altLang="ko-KR" sz="1600" b="0" i="0" u="none" strike="noStrike" kern="1200" baseline="0" dirty="0">
-                          <a:ln>
-                            <a:noFill/>
-                          </a:ln>
-                          <a:latin typeface="굴림" pitchFamily="18"/>
-                          <a:ea typeface="굴림" pitchFamily="2"/>
-                          <a:cs typeface="Arial" pitchFamily="2"/>
-                        </a:rPr>
-                        <a:t>.</a:t>
-                      </a:r>
-                      <a:endParaRPr lang="en-US" sz="1600" b="0" i="0" u="none" strike="noStrike" kern="1200" dirty="0">
-                        <a:ln>
-                          <a:noFill/>
-                        </a:ln>
-                        <a:latin typeface="굴림" pitchFamily="18"/>
-                        <a:ea typeface="굴림" pitchFamily="2"/>
-                        <a:cs typeface="Arial" pitchFamily="2"/>
-                      </a:endParaRPr>
-                    </a:p>
-                  </a:txBody>
-                  <a:tcPr>
-                    <a:solidFill>
-                      <a:schemeClr val="bg1">
-                        <a:lumMod val="95000"/>
-                        <a:alpha val="75000"/>
-                      </a:schemeClr>
-                    </a:solidFill>
-                  </a:tcPr>
-                </a:tc>
-                <a:tc>
-                  <a:txBody>
-                    <a:bodyPr/>
-                    <a:lstStyle/>
-                    <a:p>
-                      <a:pPr marL="0" marR="0" lvl="0" indent="0" rtl="0" hangingPunct="0">
-                        <a:lnSpc>
-                          <a:spcPct val="100000"/>
-                        </a:lnSpc>
-                        <a:spcBef>
-                          <a:spcPts val="0"/>
-                        </a:spcBef>
-                        <a:spcAft>
-                          <a:spcPts val="0"/>
-                        </a:spcAft>
-                        <a:buNone/>
-                        <a:tabLst/>
-                      </a:pPr>
-                      <a:r>
-                        <a:rPr lang="en-US" sz="1600" b="0" i="0" u="none" strike="noStrike" kern="1200" dirty="0">
-                          <a:ln>
-                            <a:noFill/>
-                          </a:ln>
-                          <a:latin typeface="굴림" pitchFamily="18"/>
-                          <a:ea typeface="굴림" pitchFamily="2"/>
-                          <a:cs typeface="Arial" pitchFamily="2"/>
-                        </a:rPr>
-                        <a:t>1)을 </a:t>
-                      </a:r>
-                      <a:r>
-                        <a:rPr lang="en-US" sz="1600" b="0" i="0" u="none" strike="noStrike" kern="1200" dirty="0" err="1">
-                          <a:ln>
-                            <a:noFill/>
-                          </a:ln>
-                          <a:latin typeface="굴림" pitchFamily="18"/>
-                          <a:ea typeface="굴림" pitchFamily="2"/>
-                          <a:cs typeface="Arial" pitchFamily="2"/>
-                        </a:rPr>
-                        <a:t>주둔</a:t>
-                      </a:r>
-                      <a:r>
-                        <a:rPr lang="en-US" sz="1600" b="0" i="0" u="none" strike="noStrike" kern="1200" dirty="0">
-                          <a:ln>
-                            <a:noFill/>
-                          </a:ln>
-                          <a:latin typeface="굴림" pitchFamily="18"/>
-                          <a:ea typeface="굴림" pitchFamily="2"/>
-                          <a:cs typeface="Arial" pitchFamily="2"/>
-                        </a:rPr>
-                        <a:t> </a:t>
-                      </a:r>
-                      <a:r>
-                        <a:rPr lang="en-US" sz="1600" b="0" i="0" u="none" strike="noStrike" kern="1200" dirty="0" err="1">
-                          <a:ln>
-                            <a:noFill/>
-                          </a:ln>
-                          <a:latin typeface="굴림" pitchFamily="18"/>
-                          <a:ea typeface="굴림" pitchFamily="2"/>
-                          <a:cs typeface="Arial" pitchFamily="2"/>
-                        </a:rPr>
-                        <a:t>지역</a:t>
-                      </a:r>
-                      <a:r>
-                        <a:rPr lang="ko-KR" altLang="en-US" sz="1600" b="0" i="0" u="none" strike="noStrike" kern="1200" dirty="0">
-                          <a:ln>
-                            <a:noFill/>
-                          </a:ln>
-                          <a:latin typeface="굴림" pitchFamily="18"/>
-                          <a:ea typeface="굴림" pitchFamily="2"/>
-                          <a:cs typeface="Arial" pitchFamily="2"/>
-                        </a:rPr>
-                        <a:t>을</a:t>
-                      </a:r>
-                      <a:r>
-                        <a:rPr lang="en-US" sz="1600" b="0" i="0" u="none" strike="noStrike" kern="1200" dirty="0">
-                          <a:ln>
-                            <a:noFill/>
-                          </a:ln>
-                          <a:latin typeface="굴림" pitchFamily="18"/>
-                          <a:ea typeface="굴림" pitchFamily="2"/>
-                          <a:cs typeface="Arial" pitchFamily="2"/>
-                        </a:rPr>
-                        <a:t> </a:t>
-                      </a:r>
-                      <a:r>
-                        <a:rPr lang="en-US" sz="1600" b="0" i="0" u="none" strike="noStrike" kern="1200" dirty="0" err="1">
-                          <a:ln>
-                            <a:noFill/>
-                          </a:ln>
-                          <a:latin typeface="굴림" pitchFamily="18"/>
-                          <a:ea typeface="굴림" pitchFamily="2"/>
-                          <a:cs typeface="Arial" pitchFamily="2"/>
-                        </a:rPr>
-                        <a:t>지정해서</a:t>
-                      </a:r>
-                      <a:r>
-                        <a:rPr lang="en-US" sz="1600" b="0" i="0" u="none" strike="noStrike" kern="1200" dirty="0">
-                          <a:ln>
-                            <a:noFill/>
-                          </a:ln>
-                          <a:latin typeface="굴림" pitchFamily="18"/>
-                          <a:ea typeface="굴림" pitchFamily="2"/>
-                          <a:cs typeface="Arial" pitchFamily="2"/>
-                        </a:rPr>
-                        <a:t> </a:t>
-                      </a:r>
-                      <a:r>
-                        <a:rPr lang="en-US" sz="1600" b="0" i="0" u="none" strike="noStrike" kern="1200" dirty="0" err="1">
-                          <a:ln>
-                            <a:noFill/>
-                          </a:ln>
-                          <a:latin typeface="굴림" pitchFamily="18"/>
-                          <a:ea typeface="굴림" pitchFamily="2"/>
-                          <a:cs typeface="Arial" pitchFamily="2"/>
-                        </a:rPr>
-                        <a:t>왔다갔다</a:t>
-                      </a:r>
-                      <a:r>
-                        <a:rPr lang="en-US" sz="1600" b="0" i="0" u="none" strike="noStrike" kern="1200" dirty="0">
-                          <a:ln>
-                            <a:noFill/>
-                          </a:ln>
-                          <a:latin typeface="굴림" pitchFamily="18"/>
-                          <a:ea typeface="굴림" pitchFamily="2"/>
-                          <a:cs typeface="Arial" pitchFamily="2"/>
-                        </a:rPr>
-                        <a:t> </a:t>
-                      </a:r>
-                      <a:r>
-                        <a:rPr lang="en-US" sz="1600" b="0" i="0" u="none" strike="noStrike" kern="1200" dirty="0" err="1">
-                          <a:ln>
-                            <a:noFill/>
-                          </a:ln>
-                          <a:latin typeface="굴림" pitchFamily="18"/>
-                          <a:ea typeface="굴림" pitchFamily="2"/>
-                          <a:cs typeface="Arial" pitchFamily="2"/>
-                        </a:rPr>
-                        <a:t>하게</a:t>
-                      </a:r>
-                      <a:r>
-                        <a:rPr lang="en-US" sz="1600" b="0" i="0" u="none" strike="noStrike" kern="1200" dirty="0">
-                          <a:ln>
-                            <a:noFill/>
-                          </a:ln>
-                          <a:latin typeface="굴림" pitchFamily="18"/>
-                          <a:ea typeface="굴림" pitchFamily="2"/>
-                          <a:cs typeface="Arial" pitchFamily="2"/>
-                        </a:rPr>
-                        <a:t> </a:t>
-                      </a:r>
-                      <a:r>
-                        <a:rPr lang="en-US" sz="1600" b="0" i="0" u="none" strike="noStrike" kern="1200" dirty="0" err="1">
-                          <a:ln>
-                            <a:noFill/>
-                          </a:ln>
-                          <a:latin typeface="굴림" pitchFamily="18"/>
-                          <a:ea typeface="굴림" pitchFamily="2"/>
-                          <a:cs typeface="Arial" pitchFamily="2"/>
-                        </a:rPr>
-                        <a:t>한다</a:t>
-                      </a:r>
-                      <a:r>
-                        <a:rPr lang="en-US" sz="1600" b="0" i="0" u="none" strike="noStrike" kern="1200" dirty="0">
-                          <a:ln>
-                            <a:noFill/>
-                          </a:ln>
-                          <a:latin typeface="굴림" pitchFamily="18"/>
-                          <a:ea typeface="굴림" pitchFamily="2"/>
-                          <a:cs typeface="Arial" pitchFamily="2"/>
-                        </a:rPr>
-                        <a:t>.</a:t>
-                      </a:r>
-                    </a:p>
-                  </a:txBody>
-                  <a:tcPr>
-                    <a:solidFill>
-                      <a:schemeClr val="bg1">
-                        <a:lumMod val="95000"/>
-                        <a:alpha val="75000"/>
-                      </a:schemeClr>
-                    </a:solidFill>
-                  </a:tcPr>
-                </a:tc>
-                <a:extLst>
-                  <a:ext uri="{0D108BD9-81ED-4DB2-BD59-A6C34878D82A}">
-                    <a16:rowId xmlns:a16="http://schemas.microsoft.com/office/drawing/2014/main" val="1535846521"/>
-                  </a:ext>
-                </a:extLst>
-              </a:tr>
-            </a:tbl>
-          </a:graphicData>
-        </a:graphic>
-      </p:graphicFrame>
       <p:sp>
         <p:nvSpPr>
           <p:cNvPr id="5" name="TextBox 4"/>
@@ -5849,1469 +4652,348 @@
           </a:p>
         </p:txBody>
       </p:sp>
-      <p:graphicFrame>
-        <p:nvGraphicFramePr>
-          <p:cNvPr id="7" name="표 개체 틀 3"/>
-          <p:cNvGraphicFramePr>
-            <a:graphicFrameLocks/>
-          </p:cNvGraphicFramePr>
-          <p:nvPr>
-            <p:extLst>
-              <p:ext uri="{D42A27DB-BD31-4B8C-83A1-F6EECF244321}">
-                <p14:modId xmlns:p14="http://schemas.microsoft.com/office/powerpoint/2010/main" val="1880187991"/>
-              </p:ext>
-            </p:extLst>
-          </p:nvPr>
-        </p:nvGraphicFramePr>
-        <p:xfrm>
-          <a:off x="-69574" y="4240288"/>
-          <a:ext cx="10150197" cy="3186600"/>
-        </p:xfrm>
-        <a:graphic>
-          <a:graphicData uri="http://schemas.openxmlformats.org/drawingml/2006/table">
-            <a:tbl>
-              <a:tblPr firstRow="1" bandRow="1"/>
-              <a:tblGrid>
-                <a:gridCol w="1803522">
-                  <a:extLst>
-                    <a:ext uri="{9D8B030D-6E8A-4147-A177-3AD203B41FA5}">
-                      <a16:colId xmlns:a16="http://schemas.microsoft.com/office/drawing/2014/main" val="1371305350"/>
-                    </a:ext>
-                  </a:extLst>
-                </a:gridCol>
-                <a:gridCol w="3888639">
-                  <a:extLst>
-                    <a:ext uri="{9D8B030D-6E8A-4147-A177-3AD203B41FA5}">
-                      <a16:colId xmlns:a16="http://schemas.microsoft.com/office/drawing/2014/main" val="209378557"/>
-                    </a:ext>
-                  </a:extLst>
-                </a:gridCol>
-                <a:gridCol w="4458036">
-                  <a:extLst>
-                    <a:ext uri="{9D8B030D-6E8A-4147-A177-3AD203B41FA5}">
-                      <a16:colId xmlns:a16="http://schemas.microsoft.com/office/drawing/2014/main" val="2753167045"/>
-                    </a:ext>
-                  </a:extLst>
-                </a:gridCol>
-              </a:tblGrid>
-              <a:tr h="702000">
-                <a:tc>
-                  <a:txBody>
-                    <a:bodyPr/>
-                    <a:lstStyle/>
-                    <a:p>
-                      <a:pPr marL="0" marR="0" lvl="0" indent="0" rtl="0" hangingPunct="0">
-                        <a:lnSpc>
-                          <a:spcPct val="100000"/>
-                        </a:lnSpc>
-                        <a:spcBef>
-                          <a:spcPts val="0"/>
-                        </a:spcBef>
-                        <a:spcAft>
-                          <a:spcPts val="0"/>
-                        </a:spcAft>
-                        <a:buNone/>
-                        <a:tabLst/>
-                      </a:pPr>
-                      <a:r>
-                        <a:rPr lang="ko-KR" sz="1600" b="0" i="0" u="none" strike="noStrike" kern="1200" dirty="0" err="1">
-                          <a:ln>
-                            <a:noFill/>
-                          </a:ln>
-                          <a:latin typeface="굴림" pitchFamily="18"/>
-                          <a:ea typeface="굴림" pitchFamily="2"/>
-                          <a:cs typeface="Arial" pitchFamily="2"/>
-                        </a:rPr>
-                        <a:t>파티원</a:t>
-                      </a:r>
-                      <a:r>
-                        <a:rPr lang="ko-KR" sz="1600" b="0" i="0" u="none" strike="noStrike" kern="1200" dirty="0">
-                          <a:ln>
-                            <a:noFill/>
-                          </a:ln>
-                          <a:latin typeface="굴림" pitchFamily="18"/>
-                          <a:ea typeface="굴림" pitchFamily="2"/>
-                          <a:cs typeface="Arial" pitchFamily="2"/>
-                        </a:rPr>
-                        <a:t> AI</a:t>
-                      </a:r>
-                    </a:p>
-                  </a:txBody>
-                  <a:tcPr>
-                    <a:solidFill>
-                      <a:schemeClr val="bg1">
-                        <a:lumMod val="95000"/>
-                        <a:alpha val="75000"/>
-                      </a:schemeClr>
-                    </a:solidFill>
-                  </a:tcPr>
-                </a:tc>
-                <a:tc>
-                  <a:txBody>
-                    <a:bodyPr/>
-                    <a:lstStyle/>
-                    <a:p>
-                      <a:pPr marL="0" marR="0" lvl="0" indent="0" rtl="0" hangingPunct="0">
-                        <a:lnSpc>
-                          <a:spcPct val="100000"/>
-                        </a:lnSpc>
-                        <a:spcBef>
-                          <a:spcPts val="0"/>
-                        </a:spcBef>
-                        <a:spcAft>
-                          <a:spcPts val="0"/>
-                        </a:spcAft>
-                        <a:buNone/>
-                        <a:tabLst/>
-                      </a:pPr>
-                      <a:r>
-                        <a:rPr lang="en-US" sz="1600" b="0" i="0" u="none" strike="noStrike" kern="1200" dirty="0">
-                          <a:ln>
-                            <a:noFill/>
-                          </a:ln>
-                          <a:latin typeface="굴림" pitchFamily="18"/>
-                          <a:ea typeface="굴림" pitchFamily="2"/>
-                          <a:cs typeface="Arial" pitchFamily="2"/>
-                        </a:rPr>
-                        <a:t>1) </a:t>
-                      </a:r>
-                      <a:r>
-                        <a:rPr lang="en-US" sz="1600" b="0" i="0" u="none" strike="noStrike" kern="1200" dirty="0" err="1">
-                          <a:ln>
-                            <a:noFill/>
-                          </a:ln>
-                          <a:latin typeface="굴림" pitchFamily="18"/>
-                          <a:ea typeface="굴림" pitchFamily="2"/>
-                          <a:cs typeface="Arial" pitchFamily="2"/>
-                        </a:rPr>
-                        <a:t>딜러</a:t>
-                      </a:r>
-                      <a:r>
-                        <a:rPr lang="en-US" sz="1600" b="0" i="0" u="none" strike="noStrike" kern="1200" dirty="0">
-                          <a:ln>
-                            <a:noFill/>
-                          </a:ln>
-                          <a:latin typeface="굴림" pitchFamily="18"/>
-                          <a:ea typeface="굴림" pitchFamily="2"/>
-                          <a:cs typeface="Arial" pitchFamily="2"/>
-                        </a:rPr>
-                        <a:t> : </a:t>
-                      </a:r>
-                      <a:r>
-                        <a:rPr lang="ko-KR" altLang="en-US" sz="1600" b="0" i="0" u="none" strike="noStrike" kern="1200" dirty="0" err="1">
-                          <a:ln>
-                            <a:noFill/>
-                          </a:ln>
-                          <a:latin typeface="굴림" pitchFamily="18"/>
-                          <a:ea typeface="굴림" pitchFamily="2"/>
-                          <a:cs typeface="Arial" pitchFamily="2"/>
-                        </a:rPr>
-                        <a:t>딜함</a:t>
-                      </a:r>
-                      <a:endParaRPr lang="en-US" sz="1600" b="0" i="0" u="none" strike="noStrike" kern="1200" dirty="0">
-                        <a:ln>
-                          <a:noFill/>
-                        </a:ln>
-                        <a:latin typeface="굴림" pitchFamily="18"/>
-                        <a:ea typeface="굴림" pitchFamily="2"/>
-                        <a:cs typeface="Arial" pitchFamily="2"/>
-                      </a:endParaRPr>
-                    </a:p>
-                    <a:p>
-                      <a:pPr marL="0" marR="0" lvl="0" indent="0" rtl="0" hangingPunct="0">
-                        <a:lnSpc>
-                          <a:spcPct val="100000"/>
-                        </a:lnSpc>
-                        <a:spcBef>
-                          <a:spcPts val="0"/>
-                        </a:spcBef>
-                        <a:spcAft>
-                          <a:spcPts val="0"/>
-                        </a:spcAft>
-                        <a:buNone/>
-                        <a:tabLst/>
-                      </a:pPr>
-                      <a:r>
-                        <a:rPr lang="en-US" sz="1600" b="0" i="0" u="none" strike="noStrike" kern="1200" dirty="0">
-                          <a:ln>
-                            <a:noFill/>
-                          </a:ln>
-                          <a:latin typeface="굴림" pitchFamily="18"/>
-                          <a:ea typeface="굴림" pitchFamily="2"/>
-                          <a:cs typeface="Arial" pitchFamily="2"/>
-                        </a:rPr>
-                        <a:t>2) </a:t>
-                      </a:r>
-                      <a:r>
-                        <a:rPr lang="en-US" sz="1600" b="0" i="0" u="none" strike="noStrike" kern="1200" dirty="0" err="1">
-                          <a:ln>
-                            <a:noFill/>
-                          </a:ln>
-                          <a:latin typeface="굴림" pitchFamily="18"/>
-                          <a:ea typeface="굴림" pitchFamily="2"/>
-                          <a:cs typeface="Arial" pitchFamily="2"/>
-                        </a:rPr>
-                        <a:t>힐러</a:t>
-                      </a:r>
-                      <a:r>
-                        <a:rPr lang="en-US" sz="1600" b="0" i="0" u="none" strike="noStrike" kern="1200" dirty="0">
-                          <a:ln>
-                            <a:noFill/>
-                          </a:ln>
-                          <a:latin typeface="굴림" pitchFamily="18"/>
-                          <a:ea typeface="굴림" pitchFamily="2"/>
-                          <a:cs typeface="Arial" pitchFamily="2"/>
-                        </a:rPr>
-                        <a:t> : </a:t>
-                      </a:r>
-                      <a:r>
-                        <a:rPr lang="ko-KR" altLang="en-US" sz="1600" b="0" i="0" u="none" strike="noStrike" kern="1200" dirty="0" err="1">
-                          <a:ln>
-                            <a:noFill/>
-                          </a:ln>
-                          <a:latin typeface="굴림" pitchFamily="18"/>
-                          <a:ea typeface="굴림" pitchFamily="2"/>
-                          <a:cs typeface="Arial" pitchFamily="2"/>
-                        </a:rPr>
-                        <a:t>힐함</a:t>
-                      </a:r>
-                      <a:endParaRPr lang="en-US" altLang="ko-KR" sz="1600" b="0" i="0" u="none" strike="noStrike" kern="1200" dirty="0">
-                        <a:ln>
-                          <a:noFill/>
-                        </a:ln>
-                        <a:latin typeface="굴림" pitchFamily="18"/>
-                        <a:ea typeface="굴림" pitchFamily="2"/>
-                        <a:cs typeface="Arial" pitchFamily="2"/>
-                      </a:endParaRPr>
-                    </a:p>
-                    <a:p>
-                      <a:pPr marL="0" marR="0" lvl="0" indent="0" rtl="0" hangingPunct="0">
-                        <a:lnSpc>
-                          <a:spcPct val="100000"/>
-                        </a:lnSpc>
-                        <a:spcBef>
-                          <a:spcPts val="0"/>
-                        </a:spcBef>
-                        <a:spcAft>
-                          <a:spcPts val="0"/>
-                        </a:spcAft>
-                        <a:buNone/>
-                        <a:tabLst/>
-                      </a:pPr>
-                      <a:r>
-                        <a:rPr lang="en-US" sz="1600" b="0" i="0" u="none" strike="noStrike" kern="1200" dirty="0">
-                          <a:ln>
-                            <a:noFill/>
-                          </a:ln>
-                          <a:latin typeface="굴림" pitchFamily="50"/>
-                          <a:ea typeface="굴림" pitchFamily="50"/>
-                          <a:cs typeface="Arial" pitchFamily="2"/>
-                        </a:rPr>
-                        <a:t>3) </a:t>
-                      </a:r>
-                      <a:r>
-                        <a:rPr lang="ko-KR" sz="1600" b="0" i="0" u="none" strike="noStrike" kern="1200" dirty="0">
-                          <a:ln>
-                            <a:noFill/>
-                          </a:ln>
-                          <a:latin typeface="굴림" pitchFamily="50"/>
-                          <a:ea typeface="굴림" pitchFamily="50"/>
-                          <a:cs typeface="Arial" pitchFamily="2"/>
-                        </a:rPr>
-                        <a:t>공통 </a:t>
-                      </a:r>
-                      <a:r>
-                        <a:rPr lang="en-US" sz="1600" b="0" i="0" u="none" strike="noStrike" kern="1200" dirty="0">
-                          <a:ln>
-                            <a:noFill/>
-                          </a:ln>
-                          <a:latin typeface="굴림" pitchFamily="50"/>
-                          <a:ea typeface="굴림" pitchFamily="50"/>
-                          <a:cs typeface="Arial" pitchFamily="2"/>
-                        </a:rPr>
-                        <a:t>: </a:t>
-                      </a:r>
-                      <a:r>
-                        <a:rPr lang="ko-KR" altLang="en-US" sz="1600" b="0" i="0" u="none" strike="noStrike" kern="1200" dirty="0">
-                          <a:ln>
-                            <a:noFill/>
-                          </a:ln>
-                          <a:latin typeface="굴림" pitchFamily="50"/>
-                          <a:ea typeface="굴림" pitchFamily="50"/>
-                          <a:cs typeface="Arial" pitchFamily="2"/>
-                        </a:rPr>
-                        <a:t>공략에 필요한 행동함</a:t>
-                      </a:r>
-                      <a:endParaRPr lang="en-US" sz="1600" b="0" i="0" u="none" strike="noStrike" kern="1200" dirty="0">
-                        <a:ln>
-                          <a:noFill/>
-                        </a:ln>
-                        <a:latin typeface="굴림" pitchFamily="50"/>
-                        <a:ea typeface="굴림" pitchFamily="50"/>
-                        <a:cs typeface="Arial" pitchFamily="2"/>
-                      </a:endParaRPr>
-                    </a:p>
-                  </a:txBody>
-                  <a:tcPr>
-                    <a:solidFill>
-                      <a:schemeClr val="bg1">
-                        <a:lumMod val="95000"/>
-                        <a:alpha val="75000"/>
-                      </a:schemeClr>
-                    </a:solidFill>
-                  </a:tcPr>
-                </a:tc>
-                <a:tc>
-                  <a:txBody>
-                    <a:bodyPr/>
-                    <a:lstStyle/>
-                    <a:p>
-                      <a:pPr marL="0" marR="0" lvl="0" indent="0" rtl="0" hangingPunct="0">
-                        <a:lnSpc>
-                          <a:spcPct val="100000"/>
-                        </a:lnSpc>
-                        <a:spcBef>
-                          <a:spcPts val="0"/>
-                        </a:spcBef>
-                        <a:spcAft>
-                          <a:spcPts val="0"/>
-                        </a:spcAft>
-                        <a:buNone/>
-                        <a:tabLst/>
-                        <a:defRPr sz="1800">
-                          <a:latin typeface="굴림" pitchFamily="50"/>
-                          <a:ea typeface="굴림" pitchFamily="50"/>
-                        </a:defRPr>
-                      </a:pPr>
-                      <a:r>
-                        <a:rPr lang="en-US" sz="1600" b="0" i="0" u="none" strike="noStrike" kern="1200" dirty="0">
-                          <a:ln>
-                            <a:noFill/>
-                          </a:ln>
-                          <a:latin typeface="굴림" pitchFamily="50"/>
-                          <a:ea typeface="굴림" pitchFamily="50"/>
-                          <a:cs typeface="Arial" pitchFamily="2"/>
-                        </a:rPr>
-                        <a:t>1) </a:t>
-                      </a:r>
-                      <a:r>
-                        <a:rPr lang="ko-KR" sz="1600" b="0" i="0" u="none" strike="noStrike" kern="1200" dirty="0">
-                          <a:ln>
-                            <a:noFill/>
-                          </a:ln>
-                          <a:latin typeface="굴림" pitchFamily="50"/>
-                          <a:ea typeface="굴림" pitchFamily="50"/>
-                          <a:cs typeface="Arial" pitchFamily="2"/>
-                        </a:rPr>
-                        <a:t>플레이어가 탱커일시</a:t>
-                      </a:r>
-                    </a:p>
-                    <a:p>
-                      <a:pPr marL="0" marR="0" lvl="0" indent="0" rtl="0" hangingPunct="0">
-                        <a:lnSpc>
-                          <a:spcPct val="100000"/>
-                        </a:lnSpc>
-                        <a:spcBef>
-                          <a:spcPts val="0"/>
-                        </a:spcBef>
-                        <a:spcAft>
-                          <a:spcPts val="0"/>
-                        </a:spcAft>
-                        <a:buNone/>
-                        <a:tabLst/>
-                        <a:defRPr sz="1800">
-                          <a:latin typeface="굴림" pitchFamily="50"/>
-                          <a:ea typeface="굴림" pitchFamily="50"/>
-                        </a:defRPr>
-                      </a:pPr>
-                      <a:r>
-                        <a:rPr lang="en-US" sz="1600" b="0" i="0" u="none" strike="noStrike" kern="1200" dirty="0">
-                          <a:ln>
-                            <a:noFill/>
-                          </a:ln>
-                          <a:latin typeface="굴림" pitchFamily="50"/>
-                          <a:ea typeface="굴림" pitchFamily="50"/>
-                          <a:cs typeface="Arial" pitchFamily="2"/>
-                        </a:rPr>
-                        <a:t> -1 </a:t>
-                      </a:r>
-                      <a:r>
-                        <a:rPr lang="ko-KR" sz="1600" b="0" i="0" u="none" strike="noStrike" kern="1200" dirty="0">
-                          <a:ln>
-                            <a:noFill/>
-                          </a:ln>
-                          <a:latin typeface="굴림" pitchFamily="50"/>
-                          <a:ea typeface="굴림" pitchFamily="50"/>
-                          <a:cs typeface="Arial" pitchFamily="2"/>
-                        </a:rPr>
-                        <a:t>딜러 </a:t>
-                      </a:r>
-                      <a:r>
-                        <a:rPr lang="en-US" sz="1600" b="0" i="0" u="none" strike="noStrike" kern="1200" dirty="0">
-                          <a:ln>
-                            <a:noFill/>
-                          </a:ln>
-                          <a:latin typeface="굴림" pitchFamily="50"/>
-                          <a:ea typeface="굴림" pitchFamily="50"/>
-                          <a:cs typeface="Arial" pitchFamily="2"/>
-                        </a:rPr>
-                        <a:t>: </a:t>
-                      </a:r>
-                      <a:r>
-                        <a:rPr lang="ko-KR" altLang="en-US" sz="1600" b="0" i="0" u="none" strike="noStrike" kern="1200" dirty="0">
-                          <a:ln>
-                            <a:noFill/>
-                          </a:ln>
-                          <a:latin typeface="굴림" pitchFamily="50"/>
-                          <a:ea typeface="굴림" pitchFamily="50"/>
-                          <a:cs typeface="Arial" pitchFamily="2"/>
-                        </a:rPr>
-                        <a:t>유저에게 도전함</a:t>
-                      </a:r>
-                      <a:endParaRPr lang="en-US" altLang="ko-KR" sz="1600" b="0" i="0" u="none" strike="noStrike" kern="1200" dirty="0">
-                        <a:ln>
-                          <a:noFill/>
-                        </a:ln>
-                        <a:latin typeface="굴림" pitchFamily="50"/>
-                        <a:ea typeface="굴림" pitchFamily="50"/>
-                        <a:cs typeface="Arial" pitchFamily="2"/>
-                      </a:endParaRPr>
-                    </a:p>
-                    <a:p>
-                      <a:pPr marL="0" marR="0" lvl="0" indent="0" rtl="0" hangingPunct="0">
-                        <a:lnSpc>
-                          <a:spcPct val="100000"/>
-                        </a:lnSpc>
-                        <a:spcBef>
-                          <a:spcPts val="0"/>
-                        </a:spcBef>
-                        <a:spcAft>
-                          <a:spcPts val="0"/>
-                        </a:spcAft>
-                        <a:buNone/>
-                        <a:tabLst/>
-                        <a:defRPr sz="1800">
-                          <a:latin typeface="굴림" pitchFamily="50"/>
-                          <a:ea typeface="굴림" pitchFamily="50"/>
-                        </a:defRPr>
-                      </a:pPr>
-                      <a:r>
-                        <a:rPr lang="en-US" sz="1600" b="0" i="0" u="none" strike="noStrike" kern="1200" dirty="0">
-                          <a:ln>
-                            <a:noFill/>
-                          </a:ln>
-                          <a:latin typeface="굴림" pitchFamily="50"/>
-                          <a:ea typeface="굴림" pitchFamily="50"/>
-                          <a:cs typeface="Arial" pitchFamily="2"/>
-                        </a:rPr>
-                        <a:t> -2 </a:t>
-                      </a:r>
-                      <a:r>
-                        <a:rPr lang="ko-KR" sz="1600" b="0" i="0" u="none" strike="noStrike" kern="1200" dirty="0" err="1">
-                          <a:ln>
-                            <a:noFill/>
-                          </a:ln>
-                          <a:latin typeface="굴림" pitchFamily="50"/>
-                          <a:ea typeface="굴림" pitchFamily="50"/>
-                          <a:cs typeface="Arial" pitchFamily="2"/>
-                        </a:rPr>
-                        <a:t>힐러</a:t>
-                      </a:r>
-                      <a:r>
-                        <a:rPr lang="ko-KR" sz="1600" b="0" i="0" u="none" strike="noStrike" kern="1200" dirty="0">
-                          <a:ln>
-                            <a:noFill/>
-                          </a:ln>
-                          <a:latin typeface="굴림" pitchFamily="50"/>
-                          <a:ea typeface="굴림" pitchFamily="50"/>
-                          <a:cs typeface="Arial" pitchFamily="2"/>
-                        </a:rPr>
-                        <a:t> </a:t>
-                      </a:r>
-                      <a:r>
-                        <a:rPr lang="en-US" sz="1600" b="0" i="0" u="none" strike="noStrike" kern="1200" dirty="0">
-                          <a:ln>
-                            <a:noFill/>
-                          </a:ln>
-                          <a:latin typeface="굴림" pitchFamily="50"/>
-                          <a:ea typeface="굴림" pitchFamily="50"/>
-                          <a:cs typeface="Arial" pitchFamily="2"/>
-                        </a:rPr>
-                        <a:t>: </a:t>
-                      </a:r>
-                      <a:r>
-                        <a:rPr lang="ko-KR" altLang="en-US" sz="1600" b="0" i="0" u="none" strike="noStrike" kern="1200" dirty="0">
-                          <a:ln>
-                            <a:noFill/>
-                          </a:ln>
-                          <a:latin typeface="굴림" pitchFamily="50"/>
-                          <a:ea typeface="굴림" pitchFamily="50"/>
-                          <a:cs typeface="Arial" pitchFamily="2"/>
-                        </a:rPr>
-                        <a:t>딜도 함</a:t>
-                      </a:r>
-                      <a:endParaRPr lang="en-US" altLang="ko-KR" sz="1600" b="0" i="0" u="none" strike="noStrike" kern="1200" dirty="0">
-                        <a:ln>
-                          <a:noFill/>
-                        </a:ln>
-                        <a:latin typeface="굴림" pitchFamily="50"/>
-                        <a:ea typeface="굴림" pitchFamily="50"/>
-                        <a:cs typeface="Arial" pitchFamily="2"/>
-                      </a:endParaRPr>
-                    </a:p>
-                    <a:p>
-                      <a:pPr marL="0" marR="0" lvl="0" indent="0" rtl="0" hangingPunct="0">
-                        <a:lnSpc>
-                          <a:spcPct val="100000"/>
-                        </a:lnSpc>
-                        <a:spcBef>
-                          <a:spcPts val="0"/>
-                        </a:spcBef>
-                        <a:spcAft>
-                          <a:spcPts val="0"/>
-                        </a:spcAft>
-                        <a:buNone/>
-                        <a:tabLst/>
-                        <a:defRPr sz="1800">
-                          <a:latin typeface="굴림" pitchFamily="50"/>
-                          <a:ea typeface="굴림" pitchFamily="50"/>
-                        </a:defRPr>
-                      </a:pPr>
-                      <a:r>
-                        <a:rPr lang="en-US" sz="1600" b="0" i="0" u="none" strike="noStrike" kern="1200" dirty="0">
-                          <a:ln>
-                            <a:noFill/>
-                          </a:ln>
-                          <a:latin typeface="굴림" pitchFamily="50"/>
-                          <a:ea typeface="굴림" pitchFamily="50"/>
-                          <a:cs typeface="Arial" pitchFamily="2"/>
-                        </a:rPr>
-                        <a:t>2) </a:t>
-                      </a:r>
-                      <a:r>
-                        <a:rPr lang="ko-KR" sz="1600" b="0" i="0" u="none" strike="noStrike" kern="1200" dirty="0">
-                          <a:ln>
-                            <a:noFill/>
-                          </a:ln>
-                          <a:latin typeface="굴림" pitchFamily="50"/>
-                          <a:ea typeface="굴림" pitchFamily="50"/>
-                          <a:cs typeface="Arial" pitchFamily="2"/>
-                        </a:rPr>
-                        <a:t>플레이어가 </a:t>
-                      </a:r>
-                      <a:r>
-                        <a:rPr lang="ko-KR" sz="1600" b="0" i="0" u="none" strike="noStrike" kern="1200" dirty="0" err="1">
-                          <a:ln>
-                            <a:noFill/>
-                          </a:ln>
-                          <a:latin typeface="굴림" pitchFamily="50"/>
-                          <a:ea typeface="굴림" pitchFamily="50"/>
-                          <a:cs typeface="Arial" pitchFamily="2"/>
-                        </a:rPr>
-                        <a:t>힐러일시</a:t>
-                      </a:r>
-                      <a:endParaRPr lang="ko-KR" sz="1600" b="0" i="0" u="none" strike="noStrike" kern="1200" dirty="0">
-                        <a:ln>
-                          <a:noFill/>
-                        </a:ln>
-                        <a:latin typeface="굴림" pitchFamily="50"/>
-                        <a:ea typeface="굴림" pitchFamily="50"/>
-                        <a:cs typeface="Arial" pitchFamily="2"/>
-                      </a:endParaRPr>
-                    </a:p>
-                    <a:p>
-                      <a:pPr marL="0" marR="0" lvl="0" indent="0" rtl="0" hangingPunct="0">
-                        <a:lnSpc>
-                          <a:spcPct val="100000"/>
-                        </a:lnSpc>
-                        <a:spcBef>
-                          <a:spcPts val="0"/>
-                        </a:spcBef>
-                        <a:spcAft>
-                          <a:spcPts val="0"/>
-                        </a:spcAft>
-                        <a:buNone/>
-                        <a:tabLst/>
-                        <a:defRPr sz="1800">
-                          <a:latin typeface="굴림" pitchFamily="50"/>
-                          <a:ea typeface="굴림" pitchFamily="50"/>
-                        </a:defRPr>
-                      </a:pPr>
-                      <a:r>
-                        <a:rPr lang="en-US" sz="1600" b="0" i="0" u="none" strike="noStrike" kern="1200" dirty="0">
-                          <a:ln>
-                            <a:noFill/>
-                          </a:ln>
-                          <a:latin typeface="굴림" pitchFamily="50"/>
-                          <a:ea typeface="굴림" pitchFamily="50"/>
-                          <a:cs typeface="Arial" pitchFamily="2"/>
-                        </a:rPr>
-                        <a:t> -1 </a:t>
-                      </a:r>
-                      <a:r>
-                        <a:rPr lang="ko-KR" sz="1600" b="0" i="0" u="none" strike="noStrike" kern="1200" dirty="0">
-                          <a:ln>
-                            <a:noFill/>
-                          </a:ln>
-                          <a:latin typeface="굴림" pitchFamily="50"/>
-                          <a:ea typeface="굴림" pitchFamily="50"/>
-                          <a:cs typeface="Arial" pitchFamily="2"/>
-                        </a:rPr>
-                        <a:t>탱커 </a:t>
-                      </a:r>
-                      <a:r>
-                        <a:rPr lang="en-US" sz="1600" b="0" i="0" u="none" strike="noStrike" kern="1200" dirty="0">
-                          <a:ln>
-                            <a:noFill/>
-                          </a:ln>
-                          <a:latin typeface="굴림" pitchFamily="50"/>
-                          <a:ea typeface="굴림" pitchFamily="50"/>
-                          <a:cs typeface="Arial" pitchFamily="2"/>
-                        </a:rPr>
-                        <a:t>: </a:t>
-                      </a:r>
-                      <a:r>
-                        <a:rPr lang="ko-KR" sz="1600" b="0" i="0" u="none" strike="noStrike" kern="1200" dirty="0">
-                          <a:ln>
-                            <a:noFill/>
-                          </a:ln>
-                          <a:latin typeface="굴림" pitchFamily="50"/>
-                          <a:ea typeface="굴림" pitchFamily="50"/>
-                          <a:cs typeface="Arial" pitchFamily="2"/>
-                        </a:rPr>
-                        <a:t>알아서 열심히 간다</a:t>
-                      </a:r>
-                      <a:r>
-                        <a:rPr lang="en-US" sz="1600" b="0" i="0" u="none" strike="noStrike" kern="1200" dirty="0">
-                          <a:ln>
-                            <a:noFill/>
-                          </a:ln>
-                          <a:latin typeface="굴림" pitchFamily="50"/>
-                          <a:ea typeface="굴림" pitchFamily="50"/>
-                          <a:cs typeface="Arial" pitchFamily="2"/>
-                        </a:rPr>
-                        <a:t>. </a:t>
-                      </a:r>
-                      <a:r>
-                        <a:rPr lang="ko-KR" sz="1600" b="0" i="0" u="none" strike="noStrike" kern="1200" dirty="0">
-                          <a:ln>
-                            <a:noFill/>
-                          </a:ln>
-                          <a:latin typeface="굴림" pitchFamily="50"/>
-                          <a:ea typeface="굴림" pitchFamily="50"/>
-                          <a:cs typeface="Arial" pitchFamily="2"/>
-                        </a:rPr>
-                        <a:t>플레이어가 무 의미 하게 힐을 마구 넣으면 화낸다</a:t>
-                      </a:r>
-                      <a:r>
-                        <a:rPr lang="en-US" sz="1600" b="0" i="0" u="none" strike="noStrike" kern="1200" dirty="0">
-                          <a:ln>
-                            <a:noFill/>
-                          </a:ln>
-                          <a:latin typeface="굴림" pitchFamily="50"/>
-                          <a:ea typeface="굴림" pitchFamily="50"/>
-                          <a:cs typeface="Arial" pitchFamily="2"/>
-                        </a:rPr>
-                        <a:t>.</a:t>
-                      </a:r>
-                    </a:p>
-                  </a:txBody>
-                  <a:tcPr>
-                    <a:solidFill>
-                      <a:schemeClr val="bg1">
-                        <a:lumMod val="95000"/>
-                        <a:alpha val="75000"/>
-                      </a:schemeClr>
-                    </a:solidFill>
-                  </a:tcPr>
-                </a:tc>
-                <a:extLst>
-                  <a:ext uri="{0D108BD9-81ED-4DB2-BD59-A6C34878D82A}">
-                    <a16:rowId xmlns:a16="http://schemas.microsoft.com/office/drawing/2014/main" val="1649366541"/>
-                  </a:ext>
-                </a:extLst>
-              </a:tr>
-              <a:tr h="351000">
-                <a:tc>
-                  <a:txBody>
-                    <a:bodyPr/>
-                    <a:lstStyle/>
-                    <a:p>
-                      <a:pPr marL="0" marR="0" lvl="0" indent="0" rtl="0" hangingPunct="0">
-                        <a:lnSpc>
-                          <a:spcPct val="100000"/>
-                        </a:lnSpc>
-                        <a:spcBef>
-                          <a:spcPts val="0"/>
-                        </a:spcBef>
-                        <a:spcAft>
-                          <a:spcPts val="0"/>
-                        </a:spcAft>
-                        <a:buNone/>
-                        <a:tabLst/>
-                      </a:pPr>
-                      <a:r>
-                        <a:rPr lang="ko-KR" sz="1600" b="0" i="0" u="none" strike="noStrike" kern="1200">
-                          <a:ln>
-                            <a:noFill/>
-                          </a:ln>
-                          <a:latin typeface="굴림" pitchFamily="18"/>
-                          <a:ea typeface="굴림" pitchFamily="2"/>
-                          <a:cs typeface="Arial" pitchFamily="2"/>
-                        </a:rPr>
-                        <a:t>캐릭터 기술</a:t>
-                      </a:r>
-                    </a:p>
-                  </a:txBody>
-                  <a:tcPr>
-                    <a:solidFill>
-                      <a:schemeClr val="bg1">
-                        <a:lumMod val="95000"/>
-                        <a:alpha val="75000"/>
-                      </a:schemeClr>
-                    </a:solidFill>
-                  </a:tcPr>
-                </a:tc>
-                <a:tc>
-                  <a:txBody>
-                    <a:bodyPr/>
-                    <a:lstStyle/>
-                    <a:p>
-                      <a:pPr marL="0" marR="0" lvl="0" indent="0" rtl="0" hangingPunct="0">
-                        <a:lnSpc>
-                          <a:spcPct val="100000"/>
-                        </a:lnSpc>
-                        <a:spcBef>
-                          <a:spcPts val="0"/>
-                        </a:spcBef>
-                        <a:spcAft>
-                          <a:spcPts val="0"/>
-                        </a:spcAft>
-                        <a:buNone/>
-                        <a:tabLst/>
-                      </a:pPr>
-                      <a:r>
-                        <a:rPr lang="ko-KR" altLang="en-US" sz="1600" b="0" i="0" u="none" strike="noStrike" kern="1200" dirty="0">
-                          <a:ln>
-                            <a:noFill/>
-                          </a:ln>
-                          <a:latin typeface="굴림" pitchFamily="18"/>
-                          <a:ea typeface="굴림" pitchFamily="2"/>
-                          <a:cs typeface="Arial" pitchFamily="2"/>
-                        </a:rPr>
-                        <a:t>주요 스킬만 구현</a:t>
-                      </a:r>
-                      <a:endParaRPr lang="ko-KR" sz="1600" b="0" i="0" u="none" strike="noStrike" kern="1200" dirty="0">
-                        <a:ln>
-                          <a:noFill/>
-                        </a:ln>
-                        <a:latin typeface="굴림" pitchFamily="18"/>
-                        <a:ea typeface="굴림" pitchFamily="2"/>
-                        <a:cs typeface="Arial" pitchFamily="2"/>
-                      </a:endParaRPr>
-                    </a:p>
-                  </a:txBody>
-                  <a:tcPr>
-                    <a:solidFill>
-                      <a:schemeClr val="bg1">
-                        <a:lumMod val="95000"/>
-                        <a:alpha val="75000"/>
-                      </a:schemeClr>
-                    </a:solidFill>
-                  </a:tcPr>
-                </a:tc>
-                <a:tc>
-                  <a:txBody>
-                    <a:bodyPr/>
-                    <a:lstStyle/>
-                    <a:p>
-                      <a:pPr marL="0" marR="0" lvl="0" indent="0" rtl="0" hangingPunct="0">
-                        <a:lnSpc>
-                          <a:spcPct val="100000"/>
-                        </a:lnSpc>
-                        <a:spcBef>
-                          <a:spcPts val="0"/>
-                        </a:spcBef>
-                        <a:spcAft>
-                          <a:spcPts val="0"/>
-                        </a:spcAft>
-                        <a:buNone/>
-                        <a:tabLst/>
-                        <a:defRPr sz="1800">
-                          <a:latin typeface="굴림" pitchFamily="50"/>
-                          <a:ea typeface="굴림" pitchFamily="50"/>
-                        </a:defRPr>
-                      </a:pPr>
-                      <a:r>
-                        <a:rPr lang="ko-KR" altLang="en-US" sz="1600" b="0" i="0" u="none" strike="noStrike" kern="1200" dirty="0">
-                          <a:ln>
-                            <a:noFill/>
-                          </a:ln>
-                          <a:latin typeface="굴림" pitchFamily="50"/>
-                          <a:ea typeface="굴림" pitchFamily="50"/>
-                          <a:cs typeface="Arial" pitchFamily="2"/>
-                        </a:rPr>
-                        <a:t>모두 구현</a:t>
-                      </a:r>
-                      <a:endParaRPr lang="ko-KR" sz="1600" b="0" i="0" u="none" strike="noStrike" kern="1200" dirty="0">
-                        <a:ln>
-                          <a:noFill/>
-                        </a:ln>
-                        <a:latin typeface="굴림" pitchFamily="50"/>
-                        <a:ea typeface="굴림" pitchFamily="50"/>
-                        <a:cs typeface="Arial" pitchFamily="2"/>
-                      </a:endParaRPr>
-                    </a:p>
-                  </a:txBody>
-                  <a:tcPr>
-                    <a:solidFill>
-                      <a:schemeClr val="bg1">
-                        <a:lumMod val="95000"/>
-                        <a:alpha val="75000"/>
-                      </a:schemeClr>
-                    </a:solidFill>
-                  </a:tcPr>
-                </a:tc>
-                <a:extLst>
-                  <a:ext uri="{0D108BD9-81ED-4DB2-BD59-A6C34878D82A}">
-                    <a16:rowId xmlns:a16="http://schemas.microsoft.com/office/drawing/2014/main" val="2407461213"/>
-                  </a:ext>
-                </a:extLst>
-              </a:tr>
-              <a:tr h="351000">
-                <a:tc>
-                  <a:txBody>
-                    <a:bodyPr/>
-                    <a:lstStyle/>
-                    <a:p>
-                      <a:pPr marL="0" marR="0" lvl="0" indent="0" rtl="0" hangingPunct="0">
-                        <a:lnSpc>
-                          <a:spcPct val="100000"/>
-                        </a:lnSpc>
-                        <a:spcBef>
-                          <a:spcPts val="0"/>
-                        </a:spcBef>
-                        <a:spcAft>
-                          <a:spcPts val="0"/>
-                        </a:spcAft>
-                        <a:buNone/>
-                        <a:tabLst/>
-                      </a:pPr>
-                      <a:r>
-                        <a:rPr lang="ko-KR" sz="1600" b="0" i="0" u="none" strike="noStrike" kern="1200">
-                          <a:ln>
-                            <a:noFill/>
-                          </a:ln>
-                          <a:latin typeface="굴림" pitchFamily="18"/>
-                          <a:ea typeface="굴림" pitchFamily="2"/>
-                          <a:cs typeface="Arial" pitchFamily="2"/>
-                        </a:rPr>
-                        <a:t>맵</a:t>
-                      </a:r>
-                    </a:p>
-                  </a:txBody>
-                  <a:tcPr>
-                    <a:solidFill>
-                      <a:schemeClr val="bg1">
-                        <a:lumMod val="95000"/>
-                        <a:alpha val="75000"/>
-                      </a:schemeClr>
-                    </a:solidFill>
-                  </a:tcPr>
-                </a:tc>
-                <a:tc>
-                  <a:txBody>
-                    <a:bodyPr/>
-                    <a:lstStyle/>
-                    <a:p>
-                      <a:pPr marL="0" marR="0" lvl="0" indent="0" rtl="0" hangingPunct="0">
-                        <a:lnSpc>
-                          <a:spcPct val="100000"/>
-                        </a:lnSpc>
-                        <a:spcBef>
-                          <a:spcPts val="0"/>
-                        </a:spcBef>
-                        <a:spcAft>
-                          <a:spcPts val="0"/>
-                        </a:spcAft>
-                        <a:buNone/>
-                        <a:tabLst/>
-                      </a:pPr>
-                      <a:r>
-                        <a:rPr lang="ko-KR" altLang="en-US" sz="1600" b="0" i="0" u="none" strike="noStrike" kern="1200" dirty="0">
-                          <a:ln>
-                            <a:noFill/>
-                          </a:ln>
-                          <a:latin typeface="굴림" pitchFamily="18"/>
-                          <a:ea typeface="굴림" pitchFamily="2"/>
-                          <a:cs typeface="Arial" pitchFamily="2"/>
-                        </a:rPr>
-                        <a:t>초보 던전 그대로 구현</a:t>
-                      </a:r>
-                      <a:endParaRPr lang="ko-KR" sz="1600" b="0" i="0" u="none" strike="noStrike" kern="1200" dirty="0">
-                        <a:ln>
-                          <a:noFill/>
-                        </a:ln>
-                        <a:latin typeface="굴림" pitchFamily="18"/>
-                        <a:ea typeface="굴림" pitchFamily="2"/>
-                        <a:cs typeface="Arial" pitchFamily="2"/>
-                      </a:endParaRPr>
-                    </a:p>
-                  </a:txBody>
-                  <a:tcPr>
-                    <a:solidFill>
-                      <a:schemeClr val="bg1">
-                        <a:lumMod val="95000"/>
-                        <a:alpha val="75000"/>
-                      </a:schemeClr>
-                    </a:solidFill>
-                  </a:tcPr>
-                </a:tc>
-                <a:tc>
-                  <a:txBody>
-                    <a:bodyPr/>
-                    <a:lstStyle/>
-                    <a:p>
-                      <a:pPr marL="0" marR="0" lvl="0" indent="0" rtl="0" hangingPunct="0">
-                        <a:lnSpc>
-                          <a:spcPct val="100000"/>
-                        </a:lnSpc>
-                        <a:spcBef>
-                          <a:spcPts val="0"/>
-                        </a:spcBef>
-                        <a:spcAft>
-                          <a:spcPts val="0"/>
-                        </a:spcAft>
-                        <a:buNone/>
-                        <a:tabLst/>
-                        <a:defRPr sz="1800">
-                          <a:latin typeface="굴림" pitchFamily="50"/>
-                          <a:ea typeface="굴림" pitchFamily="50"/>
-                        </a:defRPr>
-                      </a:pPr>
-                      <a:r>
-                        <a:rPr lang="ko-KR" sz="1600" b="0" i="0" u="none" strike="noStrike" kern="1200" dirty="0">
-                          <a:ln>
-                            <a:noFill/>
-                          </a:ln>
-                          <a:latin typeface="굴림" pitchFamily="50"/>
-                          <a:ea typeface="굴림" pitchFamily="50"/>
-                          <a:cs typeface="Arial" pitchFamily="2"/>
-                        </a:rPr>
-                        <a:t>상위</a:t>
-                      </a:r>
-                      <a:r>
-                        <a:rPr lang="en-US" altLang="ko-KR" sz="1600" b="0" i="0" u="none" strike="noStrike" kern="1200" dirty="0">
-                          <a:ln>
-                            <a:noFill/>
-                          </a:ln>
-                          <a:latin typeface="굴림" pitchFamily="50"/>
-                          <a:ea typeface="굴림" pitchFamily="50"/>
-                          <a:cs typeface="Arial" pitchFamily="2"/>
-                        </a:rPr>
-                        <a:t> </a:t>
-                      </a:r>
-                      <a:r>
-                        <a:rPr lang="ko-KR" sz="1600" b="0" i="0" u="none" strike="noStrike" kern="1200" dirty="0">
-                          <a:ln>
-                            <a:noFill/>
-                          </a:ln>
-                          <a:latin typeface="굴림" pitchFamily="50"/>
-                          <a:ea typeface="굴림" pitchFamily="50"/>
-                          <a:cs typeface="Arial" pitchFamily="2"/>
-                        </a:rPr>
-                        <a:t>던전 그대로 </a:t>
-                      </a:r>
-                      <a:r>
-                        <a:rPr lang="ko-KR" altLang="en-US" sz="1600" b="0" i="0" u="none" strike="noStrike" kern="1200" dirty="0">
-                          <a:ln>
-                            <a:noFill/>
-                          </a:ln>
-                          <a:latin typeface="굴림" pitchFamily="50"/>
-                          <a:ea typeface="굴림" pitchFamily="50"/>
-                          <a:cs typeface="Arial" pitchFamily="2"/>
-                        </a:rPr>
-                        <a:t>구현</a:t>
-                      </a:r>
-                      <a:r>
-                        <a:rPr lang="en-US" altLang="ko-KR" sz="1600" b="0" i="0" u="none" strike="noStrike" kern="1200" dirty="0">
-                          <a:ln>
-                            <a:noFill/>
-                          </a:ln>
-                          <a:latin typeface="굴림" pitchFamily="50"/>
-                          <a:ea typeface="굴림" pitchFamily="50"/>
-                          <a:cs typeface="Arial" pitchFamily="2"/>
-                        </a:rPr>
-                        <a:t>.</a:t>
-                      </a:r>
-                      <a:endParaRPr lang="en-US" sz="1600" b="0" i="0" u="none" strike="noStrike" kern="1200" dirty="0">
-                        <a:ln>
-                          <a:noFill/>
-                        </a:ln>
-                        <a:latin typeface="굴림" pitchFamily="50"/>
-                        <a:ea typeface="굴림" pitchFamily="50"/>
-                        <a:cs typeface="Arial" pitchFamily="2"/>
-                      </a:endParaRPr>
-                    </a:p>
-                  </a:txBody>
-                  <a:tcPr>
-                    <a:solidFill>
-                      <a:schemeClr val="bg1">
-                        <a:lumMod val="95000"/>
-                        <a:alpha val="75000"/>
-                      </a:schemeClr>
-                    </a:solidFill>
-                  </a:tcPr>
-                </a:tc>
-                <a:extLst>
-                  <a:ext uri="{0D108BD9-81ED-4DB2-BD59-A6C34878D82A}">
-                    <a16:rowId xmlns:a16="http://schemas.microsoft.com/office/drawing/2014/main" val="3709484842"/>
-                  </a:ext>
-                </a:extLst>
-              </a:tr>
-              <a:tr h="351000">
-                <a:tc>
-                  <a:txBody>
-                    <a:bodyPr/>
-                    <a:lstStyle/>
-                    <a:p>
-                      <a:pPr marL="0" marR="0" lvl="0" indent="0" rtl="0" hangingPunct="0">
-                        <a:lnSpc>
-                          <a:spcPct val="100000"/>
-                        </a:lnSpc>
-                        <a:spcBef>
-                          <a:spcPts val="0"/>
-                        </a:spcBef>
-                        <a:spcAft>
-                          <a:spcPts val="0"/>
-                        </a:spcAft>
-                        <a:buNone/>
-                        <a:tabLst/>
-                      </a:pPr>
-                      <a:r>
-                        <a:rPr lang="ko-KR" sz="1600" b="0" i="0" u="none" strike="noStrike" kern="1200">
-                          <a:ln>
-                            <a:noFill/>
-                          </a:ln>
-                          <a:latin typeface="굴림" pitchFamily="18"/>
-                          <a:ea typeface="굴림" pitchFamily="2"/>
-                          <a:cs typeface="Arial" pitchFamily="2"/>
-                        </a:rPr>
-                        <a:t>게임 기능</a:t>
-                      </a:r>
-                    </a:p>
-                  </a:txBody>
-                  <a:tcPr>
-                    <a:solidFill>
-                      <a:schemeClr val="bg1">
-                        <a:lumMod val="95000"/>
-                        <a:alpha val="75000"/>
-                      </a:schemeClr>
-                    </a:solidFill>
-                  </a:tcPr>
-                </a:tc>
-                <a:tc>
-                  <a:txBody>
-                    <a:bodyPr/>
-                    <a:lstStyle/>
-                    <a:p>
-                      <a:pPr marL="0" marR="0" lvl="0" indent="0" rtl="0" hangingPunct="0">
-                        <a:lnSpc>
-                          <a:spcPct val="100000"/>
-                        </a:lnSpc>
-                        <a:spcBef>
-                          <a:spcPts val="0"/>
-                        </a:spcBef>
-                        <a:spcAft>
-                          <a:spcPts val="0"/>
-                        </a:spcAft>
-                        <a:buNone/>
-                        <a:tabLst/>
-                      </a:pPr>
-                      <a:r>
-                        <a:rPr lang="ko-KR" sz="1600" b="0" i="0" u="none" strike="noStrike" kern="1200" dirty="0">
-                          <a:ln>
-                            <a:noFill/>
-                          </a:ln>
-                          <a:latin typeface="굴림" pitchFamily="18"/>
-                          <a:ea typeface="굴림" pitchFamily="2"/>
-                          <a:cs typeface="Arial" pitchFamily="2"/>
-                        </a:rPr>
-                        <a:t>적개심 상승효과. 글로벌 </a:t>
-                      </a:r>
-                      <a:r>
-                        <a:rPr lang="ko-KR" sz="1600" b="0" i="0" u="none" strike="noStrike" kern="1200" dirty="0" err="1">
-                          <a:ln>
-                            <a:noFill/>
-                          </a:ln>
-                          <a:latin typeface="굴림" pitchFamily="18"/>
-                          <a:ea typeface="굴림" pitchFamily="2"/>
-                          <a:cs typeface="Arial" pitchFamily="2"/>
-                        </a:rPr>
-                        <a:t>쿨타임</a:t>
-                      </a:r>
-                      <a:r>
-                        <a:rPr lang="ko-KR" sz="1600" b="0" i="0" u="none" strike="noStrike" kern="1200" dirty="0">
-                          <a:ln>
-                            <a:noFill/>
-                          </a:ln>
-                          <a:latin typeface="굴림" pitchFamily="18"/>
-                          <a:ea typeface="굴림" pitchFamily="2"/>
-                          <a:cs typeface="Arial" pitchFamily="2"/>
-                        </a:rPr>
-                        <a:t>.</a:t>
-                      </a:r>
-                    </a:p>
-                  </a:txBody>
-                  <a:tcPr>
-                    <a:solidFill>
-                      <a:schemeClr val="bg1">
-                        <a:lumMod val="95000"/>
-                        <a:alpha val="75000"/>
-                      </a:schemeClr>
-                    </a:solidFill>
-                  </a:tcPr>
-                </a:tc>
-                <a:tc>
-                  <a:txBody>
-                    <a:bodyPr/>
-                    <a:lstStyle/>
-                    <a:p>
-                      <a:pPr marL="0" marR="0" lvl="0" indent="0" rtl="0" hangingPunct="0">
-                        <a:lnSpc>
-                          <a:spcPct val="100000"/>
-                        </a:lnSpc>
-                        <a:spcBef>
-                          <a:spcPts val="0"/>
-                        </a:spcBef>
-                        <a:spcAft>
-                          <a:spcPts val="0"/>
-                        </a:spcAft>
-                        <a:buNone/>
-                        <a:tabLst/>
-                      </a:pPr>
-                      <a:r>
-                        <a:rPr lang="ko-KR" sz="1600" b="0" i="0" u="none" strike="noStrike" kern="1200" dirty="0">
-                          <a:ln>
-                            <a:noFill/>
-                          </a:ln>
-                          <a:latin typeface="굴림" pitchFamily="18"/>
-                          <a:ea typeface="굴림" pitchFamily="2"/>
-                          <a:cs typeface="Arial" pitchFamily="2"/>
-                        </a:rPr>
-                        <a:t>방어막 개념의 </a:t>
-                      </a:r>
-                      <a:r>
-                        <a:rPr lang="ko-KR" sz="1600" b="0" i="0" u="none" strike="noStrike" kern="1200" dirty="0" err="1">
-                          <a:ln>
-                            <a:noFill/>
-                          </a:ln>
-                          <a:latin typeface="굴림" pitchFamily="18"/>
-                          <a:ea typeface="굴림" pitchFamily="2"/>
-                          <a:cs typeface="Arial" pitchFamily="2"/>
-                        </a:rPr>
-                        <a:t>힐러</a:t>
-                      </a:r>
-                      <a:r>
-                        <a:rPr lang="ko-KR" sz="1600" b="0" i="0" u="none" strike="noStrike" kern="1200" dirty="0">
-                          <a:ln>
-                            <a:noFill/>
-                          </a:ln>
-                          <a:latin typeface="굴림" pitchFamily="18"/>
-                          <a:ea typeface="굴림" pitchFamily="2"/>
-                          <a:cs typeface="Arial" pitchFamily="2"/>
-                        </a:rPr>
-                        <a:t> 스킬 추가</a:t>
-                      </a:r>
-                    </a:p>
-                  </a:txBody>
-                  <a:tcPr>
-                    <a:solidFill>
-                      <a:schemeClr val="bg1">
-                        <a:lumMod val="95000"/>
-                        <a:alpha val="75000"/>
-                      </a:schemeClr>
-                    </a:solidFill>
-                  </a:tcPr>
-                </a:tc>
-                <a:extLst>
-                  <a:ext uri="{0D108BD9-81ED-4DB2-BD59-A6C34878D82A}">
-                    <a16:rowId xmlns:a16="http://schemas.microsoft.com/office/drawing/2014/main" val="648918876"/>
-                  </a:ext>
-                </a:extLst>
-              </a:tr>
-              <a:tr h="351000">
-                <a:tc>
-                  <a:txBody>
-                    <a:bodyPr/>
-                    <a:lstStyle/>
-                    <a:p>
-                      <a:pPr marL="0" marR="0" lvl="0" indent="0" rtl="0" hangingPunct="0">
-                        <a:lnSpc>
-                          <a:spcPct val="100000"/>
-                        </a:lnSpc>
-                        <a:spcBef>
-                          <a:spcPts val="0"/>
-                        </a:spcBef>
-                        <a:spcAft>
-                          <a:spcPts val="0"/>
-                        </a:spcAft>
-                        <a:buNone/>
-                        <a:tabLst/>
-                      </a:pPr>
-                      <a:r>
-                        <a:rPr lang="ko-KR" sz="1600" b="0" i="0" u="none" strike="noStrike" kern="1200">
-                          <a:ln>
-                            <a:noFill/>
-                          </a:ln>
-                          <a:latin typeface="굴림" pitchFamily="18"/>
-                          <a:ea typeface="굴림" pitchFamily="2"/>
-                          <a:cs typeface="Arial" pitchFamily="2"/>
-                        </a:rPr>
-                        <a:t>사운드, 애니메이션(A)</a:t>
-                      </a:r>
-                    </a:p>
-                  </a:txBody>
-                  <a:tcPr>
-                    <a:solidFill>
-                      <a:schemeClr val="bg1">
-                        <a:lumMod val="95000"/>
-                        <a:alpha val="75000"/>
-                      </a:schemeClr>
-                    </a:solidFill>
-                  </a:tcPr>
-                </a:tc>
-                <a:tc gridSpan="2">
-                  <a:txBody>
-                    <a:bodyPr/>
-                    <a:lstStyle/>
-                    <a:p>
-                      <a:pPr marL="0" marR="0" lvl="0" indent="0" rtl="0" hangingPunct="0">
-                        <a:lnSpc>
-                          <a:spcPct val="100000"/>
-                        </a:lnSpc>
-                        <a:spcBef>
-                          <a:spcPts val="0"/>
-                        </a:spcBef>
-                        <a:spcAft>
-                          <a:spcPts val="0"/>
-                        </a:spcAft>
-                        <a:buNone/>
-                        <a:tabLst/>
-                      </a:pPr>
-                      <a:r>
-                        <a:rPr lang="en-US" sz="1600" b="0" i="0" u="none" strike="noStrike" kern="1200" dirty="0" err="1">
-                          <a:ln>
-                            <a:noFill/>
-                          </a:ln>
-                          <a:latin typeface="굴림" pitchFamily="18"/>
-                          <a:ea typeface="굴림" pitchFamily="2"/>
-                          <a:cs typeface="Arial" pitchFamily="2"/>
-                        </a:rPr>
-                        <a:t>Bgm</a:t>
-                      </a:r>
-                      <a:r>
-                        <a:rPr lang="en-US" sz="1600" b="0" i="0" u="none" strike="noStrike" kern="1200" dirty="0">
-                          <a:ln>
-                            <a:noFill/>
-                          </a:ln>
-                          <a:latin typeface="굴림" pitchFamily="18"/>
-                          <a:ea typeface="굴림" pitchFamily="2"/>
-                          <a:cs typeface="Arial" pitchFamily="2"/>
-                        </a:rPr>
-                        <a:t>, </a:t>
-                      </a:r>
-                      <a:r>
-                        <a:rPr lang="en-US" sz="1600" b="0" i="0" u="none" strike="noStrike" kern="1200" dirty="0" err="1">
-                          <a:ln>
-                            <a:noFill/>
-                          </a:ln>
-                          <a:latin typeface="굴림" pitchFamily="18"/>
-                          <a:ea typeface="굴림" pitchFamily="2"/>
-                          <a:cs typeface="Arial" pitchFamily="2"/>
-                        </a:rPr>
-                        <a:t>공격</a:t>
-                      </a:r>
-                      <a:r>
-                        <a:rPr lang="en-US" sz="1600" b="0" i="0" u="none" strike="noStrike" kern="1200" dirty="0">
-                          <a:ln>
-                            <a:noFill/>
-                          </a:ln>
-                          <a:latin typeface="굴림" pitchFamily="18"/>
-                          <a:ea typeface="굴림" pitchFamily="2"/>
-                          <a:cs typeface="Arial" pitchFamily="2"/>
-                        </a:rPr>
-                        <a:t> </a:t>
-                      </a:r>
-                      <a:r>
-                        <a:rPr lang="en-US" sz="1600" b="0" i="0" u="none" strike="noStrike" kern="1200" dirty="0" err="1">
-                          <a:ln>
-                            <a:noFill/>
-                          </a:ln>
-                          <a:latin typeface="굴림" pitchFamily="18"/>
-                          <a:ea typeface="굴림" pitchFamily="2"/>
-                          <a:cs typeface="Arial" pitchFamily="2"/>
-                        </a:rPr>
-                        <a:t>효과음</a:t>
-                      </a:r>
-                      <a:r>
-                        <a:rPr lang="en-US" sz="1600" b="0" i="0" u="none" strike="noStrike" kern="1200" dirty="0">
-                          <a:ln>
-                            <a:noFill/>
-                          </a:ln>
-                          <a:latin typeface="굴림" pitchFamily="18"/>
-                          <a:ea typeface="굴림" pitchFamily="2"/>
-                          <a:cs typeface="Arial" pitchFamily="2"/>
-                        </a:rPr>
-                        <a:t>, 힐 </a:t>
-                      </a:r>
-                      <a:r>
-                        <a:rPr lang="en-US" sz="1600" b="0" i="0" u="none" strike="noStrike" kern="1200" dirty="0" err="1">
-                          <a:ln>
-                            <a:noFill/>
-                          </a:ln>
-                          <a:latin typeface="굴림" pitchFamily="18"/>
-                          <a:ea typeface="굴림" pitchFamily="2"/>
-                          <a:cs typeface="Arial" pitchFamily="2"/>
-                        </a:rPr>
-                        <a:t>효과음</a:t>
-                      </a:r>
-                      <a:r>
-                        <a:rPr lang="en-US" sz="1600" b="0" i="0" u="none" strike="noStrike" kern="1200" dirty="0">
-                          <a:ln>
-                            <a:noFill/>
-                          </a:ln>
-                          <a:latin typeface="굴림" pitchFamily="18"/>
-                          <a:ea typeface="굴림" pitchFamily="2"/>
-                          <a:cs typeface="Arial" pitchFamily="2"/>
-                        </a:rPr>
-                        <a:t>. </a:t>
-                      </a:r>
-                      <a:r>
-                        <a:rPr lang="en-US" sz="1600" b="0" i="0" u="none" strike="noStrike" kern="1200" dirty="0" err="1">
-                          <a:ln>
-                            <a:noFill/>
-                          </a:ln>
-                          <a:latin typeface="굴림" pitchFamily="18"/>
-                          <a:ea typeface="굴림" pitchFamily="2"/>
-                          <a:cs typeface="Arial" pitchFamily="2"/>
-                        </a:rPr>
-                        <a:t>캐릭</a:t>
-                      </a:r>
-                      <a:r>
-                        <a:rPr lang="en-US" sz="1600" b="0" i="0" u="none" strike="noStrike" kern="1200" dirty="0">
-                          <a:ln>
-                            <a:noFill/>
-                          </a:ln>
-                          <a:latin typeface="굴림" pitchFamily="18"/>
-                          <a:ea typeface="굴림" pitchFamily="2"/>
-                          <a:cs typeface="Arial" pitchFamily="2"/>
-                        </a:rPr>
-                        <a:t> 별 </a:t>
-                      </a:r>
-                      <a:r>
-                        <a:rPr lang="en-US" sz="1600" b="0" i="0" u="none" strike="noStrike" kern="1200" dirty="0" err="1">
-                          <a:ln>
-                            <a:noFill/>
-                          </a:ln>
-                          <a:latin typeface="굴림" pitchFamily="18"/>
-                          <a:ea typeface="굴림" pitchFamily="2"/>
-                          <a:cs typeface="Arial" pitchFamily="2"/>
-                        </a:rPr>
-                        <a:t>걷기A</a:t>
-                      </a:r>
-                      <a:r>
-                        <a:rPr lang="en-US" sz="1600" b="0" i="0" u="none" strike="noStrike" kern="1200" dirty="0">
-                          <a:ln>
-                            <a:noFill/>
-                          </a:ln>
-                          <a:latin typeface="굴림" pitchFamily="18"/>
-                          <a:ea typeface="굴림" pitchFamily="2"/>
-                          <a:cs typeface="Arial" pitchFamily="2"/>
-                        </a:rPr>
-                        <a:t>, </a:t>
-                      </a:r>
-                      <a:r>
-                        <a:rPr lang="en-US" sz="1600" b="0" i="0" u="none" strike="noStrike" kern="1200" dirty="0" err="1">
-                          <a:ln>
-                            <a:noFill/>
-                          </a:ln>
-                          <a:latin typeface="굴림" pitchFamily="18"/>
-                          <a:ea typeface="굴림" pitchFamily="2"/>
-                          <a:cs typeface="Arial" pitchFamily="2"/>
-                        </a:rPr>
-                        <a:t>공격A</a:t>
-                      </a:r>
-                      <a:r>
-                        <a:rPr lang="en-US" sz="1600" b="0" i="0" u="none" strike="noStrike" kern="1200" dirty="0">
-                          <a:ln>
-                            <a:noFill/>
-                          </a:ln>
-                          <a:latin typeface="굴림" pitchFamily="18"/>
-                          <a:ea typeface="굴림" pitchFamily="2"/>
-                          <a:cs typeface="Arial" pitchFamily="2"/>
-                        </a:rPr>
-                        <a:t>, </a:t>
-                      </a:r>
-                      <a:r>
-                        <a:rPr lang="en-US" sz="1600" b="0" i="0" u="none" strike="noStrike" kern="1200" dirty="0" err="1">
-                          <a:ln>
-                            <a:noFill/>
-                          </a:ln>
-                          <a:latin typeface="굴림" pitchFamily="18"/>
-                          <a:ea typeface="굴림" pitchFamily="2"/>
-                          <a:cs typeface="Arial" pitchFamily="2"/>
-                        </a:rPr>
-                        <a:t>스킬A</a:t>
-                      </a:r>
-                      <a:r>
-                        <a:rPr lang="en-US" sz="1600" b="0" i="0" u="none" strike="noStrike" kern="1200" dirty="0">
-                          <a:ln>
-                            <a:noFill/>
-                          </a:ln>
-                          <a:latin typeface="굴림" pitchFamily="18"/>
-                          <a:ea typeface="굴림" pitchFamily="2"/>
-                          <a:cs typeface="Arial" pitchFamily="2"/>
-                        </a:rPr>
-                        <a:t> 1종씩</a:t>
-                      </a:r>
-                    </a:p>
-                  </a:txBody>
-                  <a:tcPr>
-                    <a:solidFill>
-                      <a:schemeClr val="bg1">
-                        <a:lumMod val="95000"/>
-                        <a:alpha val="75000"/>
-                      </a:schemeClr>
-                    </a:solidFill>
-                  </a:tcPr>
-                </a:tc>
-                <a:tc hMerge="1">
-                  <a:txBody>
-                    <a:bodyPr/>
-                    <a:lstStyle/>
-                    <a:p>
-                      <a:pPr latinLnBrk="1"/>
-                      <a:endParaRPr lang="ko-KR" altLang="en-US"/>
-                    </a:p>
-                  </a:txBody>
-                  <a:tcPr/>
-                </a:tc>
-                <a:extLst>
-                  <a:ext uri="{0D108BD9-81ED-4DB2-BD59-A6C34878D82A}">
-                    <a16:rowId xmlns:a16="http://schemas.microsoft.com/office/drawing/2014/main" val="3808046429"/>
-                  </a:ext>
-                </a:extLst>
-              </a:tr>
-            </a:tbl>
-          </a:graphicData>
-        </a:graphic>
-      </p:graphicFrame>
+      <p:pic>
+        <p:nvPicPr>
+          <p:cNvPr id="8" name="그림 7"/>
+          <p:cNvPicPr>
+            <a:picLocks noChangeAspect="1"/>
+          </p:cNvPicPr>
+          <p:nvPr/>
+        </p:nvPicPr>
+        <p:blipFill>
+          <a:blip r:embed="rId4">
+            <a:extLst>
+              <a:ext uri="{28A0092B-C50C-407E-A947-70E740481C1C}">
+                <a14:useLocalDpi xmlns:a14="http://schemas.microsoft.com/office/drawing/2010/main" val="0"/>
+              </a:ext>
+            </a:extLst>
+          </a:blip>
+          <a:stretch>
+            <a:fillRect/>
+          </a:stretch>
+        </p:blipFill>
+        <p:spPr>
+          <a:xfrm>
+            <a:off x="0" y="727062"/>
+            <a:ext cx="10080625" cy="5670352"/>
+          </a:xfrm>
+          <a:prstGeom prst="rect">
+            <a:avLst/>
+          </a:prstGeom>
+        </p:spPr>
+      </p:pic>
+      <p:sp>
+        <p:nvSpPr>
+          <p:cNvPr id="11" name="부제목 2"/>
+          <p:cNvSpPr txBox="1">
+            <a:spLocks/>
+          </p:cNvSpPr>
+          <p:nvPr/>
+        </p:nvSpPr>
+        <p:spPr>
+          <a:xfrm>
+            <a:off x="0" y="6495223"/>
+            <a:ext cx="10080624" cy="1037056"/>
+          </a:xfrm>
+          <a:prstGeom prst="rect">
+            <a:avLst/>
+          </a:prstGeom>
+          <a:solidFill>
+            <a:srgbClr val="FFFFFF">
+              <a:alpha val="50000"/>
+            </a:srgbClr>
+          </a:solidFill>
+          <a:ln>
+            <a:noFill/>
+          </a:ln>
+        </p:spPr>
+        <p:txBody>
+          <a:bodyPr lIns="0" tIns="0" rIns="0" bIns="0" anchor="ctr"/>
+          <a:lstStyle>
+            <a:lvl1pPr marL="0" marR="0" indent="0" rtl="0" hangingPunct="0">
+              <a:spcBef>
+                <a:spcPts val="0"/>
+              </a:spcBef>
+              <a:spcAft>
+                <a:spcPts val="1414"/>
+              </a:spcAft>
+              <a:tabLst/>
+              <a:defRPr lang="en-US" altLang="ko-KR" sz="3200" b="0" i="0" u="none" strike="noStrike" kern="1200">
+                <a:ln>
+                  <a:noFill/>
+                </a:ln>
+                <a:latin typeface="굴림" pitchFamily="18"/>
+                <a:ea typeface="굴림" pitchFamily="2"/>
+                <a:cs typeface="Arial" pitchFamily="2"/>
+              </a:defRPr>
+            </a:lvl1pPr>
+            <a:lvl2pPr marL="685800" indent="-228600" algn="l" defTabSz="914400" rtl="0" eaLnBrk="1" latinLnBrk="1" hangingPunct="1">
+              <a:lnSpc>
+                <a:spcPct val="90000"/>
+              </a:lnSpc>
+              <a:spcBef>
+                <a:spcPts val="500"/>
+              </a:spcBef>
+              <a:buFont typeface="Arial" panose="020B0604020202020204" pitchFamily="34" charset="0"/>
+              <a:buChar char="•"/>
+              <a:defRPr sz="2400" kern="1200">
+                <a:solidFill>
+                  <a:schemeClr val="tx1"/>
+                </a:solidFill>
+                <a:latin typeface="+mn-lt"/>
+                <a:ea typeface="+mn-ea"/>
+                <a:cs typeface="+mn-cs"/>
+              </a:defRPr>
+            </a:lvl2pPr>
+            <a:lvl3pPr marL="1143000" indent="-228600" algn="l" defTabSz="914400" rtl="0" eaLnBrk="1" latinLnBrk="1" hangingPunct="1">
+              <a:lnSpc>
+                <a:spcPct val="90000"/>
+              </a:lnSpc>
+              <a:spcBef>
+                <a:spcPts val="500"/>
+              </a:spcBef>
+              <a:buFont typeface="Arial" panose="020B0604020202020204" pitchFamily="34" charset="0"/>
+              <a:buChar char="•"/>
+              <a:defRPr sz="2000" kern="1200">
+                <a:solidFill>
+                  <a:schemeClr val="tx1"/>
+                </a:solidFill>
+                <a:latin typeface="+mn-lt"/>
+                <a:ea typeface="+mn-ea"/>
+                <a:cs typeface="+mn-cs"/>
+              </a:defRPr>
+            </a:lvl3pPr>
+            <a:lvl4pPr marL="1600200" indent="-228600" algn="l" defTabSz="914400" rtl="0" eaLnBrk="1" latinLnBrk="1" hangingPunct="1">
+              <a:lnSpc>
+                <a:spcPct val="90000"/>
+              </a:lnSpc>
+              <a:spcBef>
+                <a:spcPts val="500"/>
+              </a:spcBef>
+              <a:buFont typeface="Arial" panose="020B0604020202020204" pitchFamily="34" charset="0"/>
+              <a:buChar char="•"/>
+              <a:defRPr sz="1800" kern="1200">
+                <a:solidFill>
+                  <a:schemeClr val="tx1"/>
+                </a:solidFill>
+                <a:latin typeface="+mn-lt"/>
+                <a:ea typeface="+mn-ea"/>
+                <a:cs typeface="+mn-cs"/>
+              </a:defRPr>
+            </a:lvl4pPr>
+            <a:lvl5pPr marL="2057400" indent="-228600" algn="l" defTabSz="914400" rtl="0" eaLnBrk="1" latinLnBrk="1" hangingPunct="1">
+              <a:lnSpc>
+                <a:spcPct val="90000"/>
+              </a:lnSpc>
+              <a:spcBef>
+                <a:spcPts val="500"/>
+              </a:spcBef>
+              <a:buFont typeface="Arial" panose="020B0604020202020204" pitchFamily="34" charset="0"/>
+              <a:buChar char="•"/>
+              <a:defRPr sz="1800" kern="1200">
+                <a:solidFill>
+                  <a:schemeClr val="tx1"/>
+                </a:solidFill>
+                <a:latin typeface="+mn-lt"/>
+                <a:ea typeface="+mn-ea"/>
+                <a:cs typeface="+mn-cs"/>
+              </a:defRPr>
+            </a:lvl5pPr>
+            <a:lvl6pPr marL="2514600" indent="-228600" algn="l" defTabSz="914400" rtl="0" eaLnBrk="1" latinLnBrk="1" hangingPunct="1">
+              <a:lnSpc>
+                <a:spcPct val="90000"/>
+              </a:lnSpc>
+              <a:spcBef>
+                <a:spcPts val="500"/>
+              </a:spcBef>
+              <a:buFont typeface="Arial" panose="020B0604020202020204" pitchFamily="34" charset="0"/>
+              <a:buChar char="•"/>
+              <a:defRPr sz="1800" kern="1200">
+                <a:solidFill>
+                  <a:schemeClr val="tx1"/>
+                </a:solidFill>
+                <a:latin typeface="+mn-lt"/>
+                <a:ea typeface="+mn-ea"/>
+                <a:cs typeface="+mn-cs"/>
+              </a:defRPr>
+            </a:lvl6pPr>
+            <a:lvl7pPr marL="2971800" indent="-228600" algn="l" defTabSz="914400" rtl="0" eaLnBrk="1" latinLnBrk="1" hangingPunct="1">
+              <a:lnSpc>
+                <a:spcPct val="90000"/>
+              </a:lnSpc>
+              <a:spcBef>
+                <a:spcPts val="500"/>
+              </a:spcBef>
+              <a:buFont typeface="Arial" panose="020B0604020202020204" pitchFamily="34" charset="0"/>
+              <a:buChar char="•"/>
+              <a:defRPr sz="1800" kern="1200">
+                <a:solidFill>
+                  <a:schemeClr val="tx1"/>
+                </a:solidFill>
+                <a:latin typeface="+mn-lt"/>
+                <a:ea typeface="+mn-ea"/>
+                <a:cs typeface="+mn-cs"/>
+              </a:defRPr>
+            </a:lvl7pPr>
+            <a:lvl8pPr marL="3429000" indent="-228600" algn="l" defTabSz="914400" rtl="0" eaLnBrk="1" latinLnBrk="1" hangingPunct="1">
+              <a:lnSpc>
+                <a:spcPct val="90000"/>
+              </a:lnSpc>
+              <a:spcBef>
+                <a:spcPts val="500"/>
+              </a:spcBef>
+              <a:buFont typeface="Arial" panose="020B0604020202020204" pitchFamily="34" charset="0"/>
+              <a:buChar char="•"/>
+              <a:defRPr sz="1800" kern="1200">
+                <a:solidFill>
+                  <a:schemeClr val="tx1"/>
+                </a:solidFill>
+                <a:latin typeface="+mn-lt"/>
+                <a:ea typeface="+mn-ea"/>
+                <a:cs typeface="+mn-cs"/>
+              </a:defRPr>
+            </a:lvl8pPr>
+            <a:lvl9pPr marL="3886200" indent="-228600" algn="l" defTabSz="914400" rtl="0" eaLnBrk="1" latinLnBrk="1" hangingPunct="1">
+              <a:lnSpc>
+                <a:spcPct val="90000"/>
+              </a:lnSpc>
+              <a:spcBef>
+                <a:spcPts val="500"/>
+              </a:spcBef>
+              <a:buFont typeface="Arial" panose="020B0604020202020204" pitchFamily="34" charset="0"/>
+              <a:buChar char="•"/>
+              <a:defRPr sz="1800" kern="1200">
+                <a:solidFill>
+                  <a:schemeClr val="tx1"/>
+                </a:solidFill>
+                <a:latin typeface="+mn-lt"/>
+                <a:ea typeface="+mn-ea"/>
+                <a:cs typeface="+mn-cs"/>
+              </a:defRPr>
+            </a:lvl9pPr>
+          </a:lstStyle>
+          <a:p>
+            <a:pPr algn="ctr" latinLnBrk="0"/>
+            <a:r>
+              <a:rPr lang="ko-KR" altLang="en-US" dirty="0">
+                <a:solidFill>
+                  <a:sysClr val="windowText" lastClr="000000"/>
+                </a:solidFill>
+              </a:rPr>
+              <a:t>탱커가 공격을 받아내고 딜러가 몬스터를 쓰러트리고 </a:t>
+            </a:r>
+            <a:r>
+              <a:rPr lang="ko-KR" altLang="en-US" dirty="0" err="1">
+                <a:solidFill>
+                  <a:sysClr val="windowText" lastClr="000000"/>
+                </a:solidFill>
+              </a:rPr>
+              <a:t>힐러가</a:t>
+            </a:r>
+            <a:r>
+              <a:rPr lang="ko-KR" altLang="en-US" dirty="0">
+                <a:solidFill>
+                  <a:sysClr val="windowText" lastClr="000000"/>
+                </a:solidFill>
+              </a:rPr>
+              <a:t> 파티원의 체력을 책임진다</a:t>
+            </a:r>
+            <a:r>
+              <a:rPr lang="en-US" altLang="ko-KR" dirty="0">
+                <a:solidFill>
+                  <a:sysClr val="windowText" lastClr="000000"/>
+                </a:solidFill>
+              </a:rPr>
+              <a:t>!</a:t>
+            </a:r>
+          </a:p>
+        </p:txBody>
+      </p:sp>
     </p:spTree>
   </p:cSld>
   <p:clrMapOvr>
     <a:masterClrMapping/>
   </p:clrMapOvr>
+  <p:timing>
+    <p:tnLst>
+      <p:par>
+        <p:cTn id="1" dur="indefinite" restart="never" nodeType="tmRoot">
+          <p:childTnLst>
+            <p:seq concurrent="1" nextAc="seek">
+              <p:cTn id="2" dur="indefinite" nodeType="mainSeq">
+                <p:childTnLst>
+                  <p:par>
+                    <p:cTn id="3" fill="hold">
+                      <p:stCondLst>
+                        <p:cond delay="indefinite"/>
+                      </p:stCondLst>
+                      <p:childTnLst>
+                        <p:par>
+                          <p:cTn id="4" fill="hold">
+                            <p:stCondLst>
+                              <p:cond delay="0"/>
+                            </p:stCondLst>
+                            <p:childTnLst>
+                              <p:par>
+                                <p:cTn id="5" presetID="1" presetClass="entr" presetSubtype="0" fill="hold" grpId="0" nodeType="clickEffect">
+                                  <p:stCondLst>
+                                    <p:cond delay="0"/>
+                                  </p:stCondLst>
+                                  <p:childTnLst>
+                                    <p:set>
+                                      <p:cBhvr>
+                                        <p:cTn id="6" dur="1" fill="hold">
+                                          <p:stCondLst>
+                                            <p:cond delay="0"/>
+                                          </p:stCondLst>
+                                        </p:cTn>
+                                        <p:tgtEl>
+                                          <p:spTgt spid="11">
+                                            <p:bg/>
+                                          </p:spTgt>
+                                        </p:tgtEl>
+                                        <p:attrNameLst>
+                                          <p:attrName>style.visibility</p:attrName>
+                                        </p:attrNameLst>
+                                      </p:cBhvr>
+                                      <p:to>
+                                        <p:strVal val="visible"/>
+                                      </p:to>
+                                    </p:set>
+                                  </p:childTnLst>
+                                </p:cTn>
+                              </p:par>
+                            </p:childTnLst>
+                          </p:cTn>
+                        </p:par>
+                      </p:childTnLst>
+                    </p:cTn>
+                  </p:par>
+                </p:childTnLst>
+              </p:cTn>
+              <p:prevCondLst>
+                <p:cond evt="onPrev" delay="0">
+                  <p:tgtEl>
+                    <p:sldTgt/>
+                  </p:tgtEl>
+                </p:cond>
+              </p:prevCondLst>
+              <p:nextCondLst>
+                <p:cond evt="onNext" delay="0">
+                  <p:tgtEl>
+                    <p:sldTgt/>
+                  </p:tgtEl>
+                </p:cond>
+              </p:nextCondLst>
+            </p:seq>
+          </p:childTnLst>
+        </p:cTn>
+      </p:par>
+    </p:tnLst>
+    <p:bldLst>
+      <p:bldP spid="11" grpId="0" build="p" animBg="1"/>
+    </p:bldLst>
+  </p:timing>
 </p:sld>
 </file>
 
@@ -9804,36 +7486,6 @@
           </a:p>
         </p:txBody>
       </p:sp>
-      <p:pic>
-        <p:nvPicPr>
-          <p:cNvPr id="6" name="그림 5"/>
-          <p:cNvPicPr>
-            <a:picLocks noChangeAspect="1"/>
-          </p:cNvPicPr>
-          <p:nvPr/>
-        </p:nvPicPr>
-        <p:blipFill>
-          <a:blip r:embed="rId3">
-            <a:extLst>
-              <a:ext uri="{28A0092B-C50C-407E-A947-70E740481C1C}">
-                <a14:useLocalDpi xmlns:a14="http://schemas.microsoft.com/office/drawing/2010/main" val="0"/>
-              </a:ext>
-            </a:extLst>
-          </a:blip>
-          <a:stretch>
-            <a:fillRect/>
-          </a:stretch>
-        </p:blipFill>
-        <p:spPr>
-          <a:xfrm>
-            <a:off x="586826" y="1728310"/>
-            <a:ext cx="9192908" cy="4858428"/>
-          </a:xfrm>
-          <a:prstGeom prst="rect">
-            <a:avLst/>
-          </a:prstGeom>
-        </p:spPr>
-      </p:pic>
     </p:spTree>
     <p:extLst>
       <p:ext uri="{BB962C8B-B14F-4D97-AF65-F5344CB8AC3E}">

--- a/2d_game_report 2.pptx
+++ b/2d_game_report 2.pptx
@@ -4584,7 +4584,7 @@
             <a:pPr lvl="0"/>
             <a:r>
               <a:rPr lang="ko-KR" altLang="en-US" dirty="0"/>
-              <a:t>개발 범위</a:t>
+              <a:t>게임 핵심 요소</a:t>
             </a:r>
           </a:p>
         </p:txBody>
@@ -7486,6 +7486,36 @@
           </a:p>
         </p:txBody>
       </p:sp>
+      <p:pic>
+        <p:nvPicPr>
+          <p:cNvPr id="6" name="그림 5"/>
+          <p:cNvPicPr>
+            <a:picLocks noChangeAspect="1"/>
+          </p:cNvPicPr>
+          <p:nvPr/>
+        </p:nvPicPr>
+        <p:blipFill>
+          <a:blip r:embed="rId3">
+            <a:extLst>
+              <a:ext uri="{28A0092B-C50C-407E-A947-70E740481C1C}">
+                <a14:useLocalDpi xmlns:a14="http://schemas.microsoft.com/office/drawing/2010/main" val="0"/>
+              </a:ext>
+            </a:extLst>
+          </a:blip>
+          <a:stretch>
+            <a:fillRect/>
+          </a:stretch>
+        </p:blipFill>
+        <p:spPr>
+          <a:xfrm>
+            <a:off x="573348" y="1527254"/>
+            <a:ext cx="9507277" cy="5039428"/>
+          </a:xfrm>
+          <a:prstGeom prst="rect">
+            <a:avLst/>
+          </a:prstGeom>
+        </p:spPr>
+      </p:pic>
     </p:spTree>
     <p:extLst>
       <p:ext uri="{BB962C8B-B14F-4D97-AF65-F5344CB8AC3E}">
